--- a/Presentation (2).pptx
+++ b/Presentation (2).pptx
@@ -5,10 +5,10 @@
     <p:sldMasterId id="2147483858" r:id="rId4"/>
   </p:sldMasterIdLst>
   <p:notesMasterIdLst>
-    <p:notesMasterId r:id="rId17"/>
+    <p:notesMasterId r:id="rId18"/>
   </p:notesMasterIdLst>
   <p:handoutMasterIdLst>
-    <p:handoutMasterId r:id="rId18"/>
+    <p:handoutMasterId r:id="rId19"/>
   </p:handoutMasterIdLst>
   <p:sldIdLst>
     <p:sldId id="256" r:id="rId5"/>
@@ -17,12 +17,13 @@
     <p:sldId id="259" r:id="rId8"/>
     <p:sldId id="268" r:id="rId9"/>
     <p:sldId id="265" r:id="rId10"/>
-    <p:sldId id="260" r:id="rId11"/>
-    <p:sldId id="261" r:id="rId12"/>
-    <p:sldId id="262" r:id="rId13"/>
-    <p:sldId id="266" r:id="rId14"/>
-    <p:sldId id="269" r:id="rId15"/>
-    <p:sldId id="267" r:id="rId16"/>
+    <p:sldId id="270" r:id="rId11"/>
+    <p:sldId id="260" r:id="rId12"/>
+    <p:sldId id="261" r:id="rId13"/>
+    <p:sldId id="262" r:id="rId14"/>
+    <p:sldId id="266" r:id="rId15"/>
+    <p:sldId id="269" r:id="rId16"/>
+    <p:sldId id="267" r:id="rId17"/>
   </p:sldIdLst>
   <p:sldSz cx="12192000" cy="6858000"/>
   <p:notesSz cx="6858000" cy="9144000"/>
@@ -144,8 +145,8 @@
 <pc:chgInfo xmlns:a="http://schemas.openxmlformats.org/drawingml/2006/main" xmlns:r="http://schemas.openxmlformats.org/officeDocument/2006/relationships" xmlns:ac="http://schemas.microsoft.com/office/drawing/2013/main/command" xmlns:pc="http://schemas.microsoft.com/office/powerpoint/2013/main/command">
   <pc:docChgLst>
     <pc:chgData name="Zeke Herrera" userId="d2eb125742d8887b" providerId="LiveId" clId="{185741F9-42CC-4DF0-B41F-F0A0682B7355}"/>
-    <pc:docChg chg="modSld sldOrd">
-      <pc:chgData name="Zeke Herrera" userId="d2eb125742d8887b" providerId="LiveId" clId="{185741F9-42CC-4DF0-B41F-F0A0682B7355}" dt="2024-01-23T01:05:00.296" v="177" actId="20577"/>
+    <pc:docChg chg="custSel addSld modSld sldOrd">
+      <pc:chgData name="Zeke Herrera" userId="d2eb125742d8887b" providerId="LiveId" clId="{185741F9-42CC-4DF0-B41F-F0A0682B7355}" dt="2024-01-23T03:35:11.297" v="256" actId="20577"/>
       <pc:docMkLst>
         <pc:docMk/>
       </pc:docMkLst>
@@ -178,6 +179,92 @@
             <ac:graphicFrameMk id="10" creationId="{8F09398E-C39D-9837-7C39-D46387C70250}"/>
           </ac:graphicFrameMkLst>
         </pc:graphicFrameChg>
+      </pc:sldChg>
+      <pc:sldChg chg="modSp mod">
+        <pc:chgData name="Zeke Herrera" userId="d2eb125742d8887b" providerId="LiveId" clId="{185741F9-42CC-4DF0-B41F-F0A0682B7355}" dt="2024-01-23T03:35:11.297" v="256" actId="20577"/>
+        <pc:sldMkLst>
+          <pc:docMk/>
+          <pc:sldMk cId="3716449968" sldId="269"/>
+        </pc:sldMkLst>
+        <pc:spChg chg="mod">
+          <ac:chgData name="Zeke Herrera" userId="d2eb125742d8887b" providerId="LiveId" clId="{185741F9-42CC-4DF0-B41F-F0A0682B7355}" dt="2024-01-23T03:35:11.297" v="256" actId="20577"/>
+          <ac:spMkLst>
+            <pc:docMk/>
+            <pc:sldMk cId="3716449968" sldId="269"/>
+            <ac:spMk id="3" creationId="{8979361F-8A0D-EDD3-ACCE-2981CC37D505}"/>
+          </ac:spMkLst>
+        </pc:spChg>
+      </pc:sldChg>
+      <pc:sldChg chg="addSp delSp modSp new mod setBg">
+        <pc:chgData name="Zeke Herrera" userId="d2eb125742d8887b" providerId="LiveId" clId="{185741F9-42CC-4DF0-B41F-F0A0682B7355}" dt="2024-01-23T03:34:50.677" v="242" actId="1076"/>
+        <pc:sldMkLst>
+          <pc:docMk/>
+          <pc:sldMk cId="1725549383" sldId="270"/>
+        </pc:sldMkLst>
+        <pc:spChg chg="mod">
+          <ac:chgData name="Zeke Herrera" userId="d2eb125742d8887b" providerId="LiveId" clId="{185741F9-42CC-4DF0-B41F-F0A0682B7355}" dt="2024-01-23T03:34:50.677" v="242" actId="1076"/>
+          <ac:spMkLst>
+            <pc:docMk/>
+            <pc:sldMk cId="1725549383" sldId="270"/>
+            <ac:spMk id="2" creationId="{4215FFAD-BF6E-6BD1-362D-4E0FEE9DDEC9}"/>
+          </ac:spMkLst>
+        </pc:spChg>
+        <pc:spChg chg="del">
+          <ac:chgData name="Zeke Herrera" userId="d2eb125742d8887b" providerId="LiveId" clId="{185741F9-42CC-4DF0-B41F-F0A0682B7355}" dt="2024-01-23T03:34:16.066" v="237" actId="22"/>
+          <ac:spMkLst>
+            <pc:docMk/>
+            <pc:sldMk cId="1725549383" sldId="270"/>
+            <ac:spMk id="3" creationId="{35BEDAC4-3BDC-584B-739A-21F872B67F46}"/>
+          </ac:spMkLst>
+        </pc:spChg>
+        <pc:spChg chg="add del">
+          <ac:chgData name="Zeke Herrera" userId="d2eb125742d8887b" providerId="LiveId" clId="{185741F9-42CC-4DF0-B41F-F0A0682B7355}" dt="2024-01-23T03:34:44.864" v="241" actId="21"/>
+          <ac:spMkLst>
+            <pc:docMk/>
+            <pc:sldMk cId="1725549383" sldId="270"/>
+            <ac:spMk id="9" creationId="{835769F0-8114-97C4-97FC-F843A81B7B48}"/>
+          </ac:spMkLst>
+        </pc:spChg>
+        <pc:spChg chg="add">
+          <ac:chgData name="Zeke Herrera" userId="d2eb125742d8887b" providerId="LiveId" clId="{185741F9-42CC-4DF0-B41F-F0A0682B7355}" dt="2024-01-23T03:34:28.221" v="238" actId="26606"/>
+          <ac:spMkLst>
+            <pc:docMk/>
+            <pc:sldMk cId="1725549383" sldId="270"/>
+            <ac:spMk id="12" creationId="{D6CEF2A9-EF08-4FB3-AFFB-C5F77AB6E028}"/>
+          </ac:spMkLst>
+        </pc:spChg>
+        <pc:spChg chg="add">
+          <ac:chgData name="Zeke Herrera" userId="d2eb125742d8887b" providerId="LiveId" clId="{185741F9-42CC-4DF0-B41F-F0A0682B7355}" dt="2024-01-23T03:34:28.221" v="238" actId="26606"/>
+          <ac:spMkLst>
+            <pc:docMk/>
+            <pc:sldMk cId="1725549383" sldId="270"/>
+            <ac:spMk id="14" creationId="{4109C3C2-C0A8-4559-8462-8007573DF44C}"/>
+          </ac:spMkLst>
+        </pc:spChg>
+        <pc:spChg chg="add">
+          <ac:chgData name="Zeke Herrera" userId="d2eb125742d8887b" providerId="LiveId" clId="{185741F9-42CC-4DF0-B41F-F0A0682B7355}" dt="2024-01-23T03:34:28.221" v="238" actId="26606"/>
+          <ac:spMkLst>
+            <pc:docMk/>
+            <pc:sldMk cId="1725549383" sldId="270"/>
+            <ac:spMk id="16" creationId="{4C535542-B72A-4DE0-BE5A-5EA00508C77D}"/>
+          </ac:spMkLst>
+        </pc:spChg>
+        <pc:spChg chg="add">
+          <ac:chgData name="Zeke Herrera" userId="d2eb125742d8887b" providerId="LiveId" clId="{185741F9-42CC-4DF0-B41F-F0A0682B7355}" dt="2024-01-23T03:34:28.221" v="238" actId="26606"/>
+          <ac:spMkLst>
+            <pc:docMk/>
+            <pc:sldMk cId="1725549383" sldId="270"/>
+            <ac:spMk id="18" creationId="{11DF0705-615B-4CF3-A16F-8C14680D8BA6}"/>
+          </ac:spMkLst>
+        </pc:spChg>
+        <pc:picChg chg="add mod ord">
+          <ac:chgData name="Zeke Herrera" userId="d2eb125742d8887b" providerId="LiveId" clId="{185741F9-42CC-4DF0-B41F-F0A0682B7355}" dt="2024-01-23T03:34:38.636" v="240" actId="14100"/>
+          <ac:picMkLst>
+            <pc:docMk/>
+            <pc:sldMk cId="1725549383" sldId="270"/>
+            <ac:picMk id="5" creationId="{B495182A-424D-68BE-2842-1D410A58A4BB}"/>
+          </ac:picMkLst>
+        </pc:picChg>
       </pc:sldChg>
     </pc:docChg>
   </pc:docChgLst>
@@ -14033,6 +14120,1079 @@
           <p:cNvPr id="2" name="Title 1">
             <a:extLst>
               <a:ext uri="{FF2B5EF4-FFF2-40B4-BE49-F238E27FC236}">
+                <a16:creationId xmlns:a16="http://schemas.microsoft.com/office/drawing/2014/main" id="{BF85ACE5-9B32-5019-61D1-869FE5875490}"/>
+              </a:ext>
+            </a:extLst>
+          </p:cNvPr>
+          <p:cNvSpPr>
+            <a:spLocks noGrp="1"/>
+          </p:cNvSpPr>
+          <p:nvPr>
+            <p:ph type="title"/>
+          </p:nvPr>
+        </p:nvSpPr>
+        <p:spPr>
+          <a:xfrm>
+            <a:off x="8191925" y="1325880"/>
+            <a:ext cx="3352375" cy="3066507"/>
+          </a:xfrm>
+        </p:spPr>
+        <p:txBody>
+          <a:bodyPr vert="horz" lIns="91440" tIns="45720" rIns="91440" bIns="45720" rtlCol="0" anchor="b">
+            <a:normAutofit/>
+          </a:bodyPr>
+          <a:lstStyle/>
+          <a:p>
+            <a:pPr>
+              <a:lnSpc>
+                <a:spcPct val="90000"/>
+              </a:lnSpc>
+            </a:pPr>
+            <a:r>
+              <a:rPr lang="en-US" sz="3800"/>
+              <a:t>XGBoosting Classification Report</a:t>
+            </a:r>
+          </a:p>
+        </p:txBody>
+      </p:sp>
+      <p:sp>
+        <p:nvSpPr>
+          <p:cNvPr id="22" name="Rectangle 21">
+            <a:extLst>
+              <a:ext uri="{FF2B5EF4-FFF2-40B4-BE49-F238E27FC236}">
+                <a16:creationId xmlns:a16="http://schemas.microsoft.com/office/drawing/2014/main" id="{4C1E981B-F06E-48B4-9275-F4B261AFCAC0}"/>
+              </a:ext>
+              <a:ext uri="{C183D7F6-B498-43B3-948B-1728B52AA6E4}">
+                <adec:decorative xmlns:adec="http://schemas.microsoft.com/office/drawing/2017/decorative" val="1"/>
+              </a:ext>
+            </a:extLst>
+          </p:cNvPr>
+          <p:cNvSpPr>
+            <a:spLocks noGrp="1" noRot="1" noChangeAspect="1" noMove="1" noResize="1" noEditPoints="1" noAdjustHandles="1" noChangeArrowheads="1" noChangeShapeType="1" noTextEdit="1"/>
+          </p:cNvSpPr>
+          <p:nvPr>
+            <p:extLst>
+              <p:ext uri="{386F3935-93C4-4BCD-93E2-E3B085C9AB24}">
+                <p16:designElem xmlns:p16="http://schemas.microsoft.com/office/powerpoint/2015/main" val="1"/>
+              </p:ext>
+            </p:extLst>
+          </p:nvPr>
+        </p:nvSpPr>
+        <p:spPr>
+          <a:xfrm>
+            <a:off x="0" y="0"/>
+            <a:ext cx="7157124" cy="6858000"/>
+          </a:xfrm>
+          <a:prstGeom prst="rect">
+            <a:avLst/>
+          </a:prstGeom>
+          <a:solidFill>
+            <a:srgbClr val="FFFFFF"/>
+          </a:solidFill>
+          <a:ln>
+            <a:noFill/>
+          </a:ln>
+        </p:spPr>
+        <p:style>
+          <a:lnRef idx="2">
+            <a:schemeClr val="accent1">
+              <a:shade val="50000"/>
+            </a:schemeClr>
+          </a:lnRef>
+          <a:fillRef idx="1">
+            <a:schemeClr val="accent1"/>
+          </a:fillRef>
+          <a:effectRef idx="0">
+            <a:schemeClr val="accent1"/>
+          </a:effectRef>
+          <a:fontRef idx="minor">
+            <a:schemeClr val="lt1"/>
+          </a:fontRef>
+        </p:style>
+        <p:txBody>
+          <a:bodyPr rtlCol="0" anchor="ctr"/>
+          <a:lstStyle/>
+          <a:p>
+            <a:pPr algn="ctr"/>
+            <a:endParaRPr lang="en-US"/>
+          </a:p>
+        </p:txBody>
+      </p:sp>
+      <p:sp>
+        <p:nvSpPr>
+          <p:cNvPr id="24" name="Freeform 36">
+            <a:extLst>
+              <a:ext uri="{FF2B5EF4-FFF2-40B4-BE49-F238E27FC236}">
+                <a16:creationId xmlns:a16="http://schemas.microsoft.com/office/drawing/2014/main" id="{312E2C24-0CD2-4071-8CE2-B059993A99EF}"/>
+              </a:ext>
+              <a:ext uri="{C183D7F6-B498-43B3-948B-1728B52AA6E4}">
+                <adec:decorative xmlns:adec="http://schemas.microsoft.com/office/drawing/2017/decorative" val="1"/>
+              </a:ext>
+            </a:extLst>
+          </p:cNvPr>
+          <p:cNvSpPr>
+            <a:spLocks noGrp="1" noRot="1" noChangeAspect="1" noMove="1" noResize="1" noEditPoints="1" noAdjustHandles="1" noChangeArrowheads="1" noChangeShapeType="1" noTextEdit="1"/>
+          </p:cNvSpPr>
+          <p:nvPr>
+            <p:extLst>
+              <p:ext uri="{386F3935-93C4-4BCD-93E2-E3B085C9AB24}">
+                <p16:designElem xmlns:p16="http://schemas.microsoft.com/office/powerpoint/2015/main" val="1"/>
+              </p:ext>
+            </p:extLst>
+          </p:nvPr>
+        </p:nvSpPr>
+        <p:spPr>
+          <a:xfrm flipH="1">
+            <a:off x="7463681" y="-1"/>
+            <a:ext cx="559472" cy="3709642"/>
+          </a:xfrm>
+          <a:custGeom>
+            <a:avLst/>
+            <a:gdLst>
+              <a:gd name="connsiteX0" fmla="*/ 0 w 559472"/>
+              <a:gd name="connsiteY0" fmla="*/ 0 h 3709642"/>
+              <a:gd name="connsiteX1" fmla="*/ 473952 w 559472"/>
+              <a:gd name="connsiteY1" fmla="*/ 0 h 3709642"/>
+              <a:gd name="connsiteX2" fmla="*/ 485840 w 559472"/>
+              <a:gd name="connsiteY2" fmla="*/ 161194 h 3709642"/>
+              <a:gd name="connsiteX3" fmla="*/ 523949 w 559472"/>
+              <a:gd name="connsiteY3" fmla="*/ 3672197 h 3709642"/>
+              <a:gd name="connsiteX4" fmla="*/ 454748 w 559472"/>
+              <a:gd name="connsiteY4" fmla="*/ 3709642 h 3709642"/>
+              <a:gd name="connsiteX5" fmla="*/ 448224 w 559472"/>
+              <a:gd name="connsiteY5" fmla="*/ 3510471 h 3709642"/>
+              <a:gd name="connsiteX6" fmla="*/ 443564 w 559472"/>
+              <a:gd name="connsiteY6" fmla="*/ 3408563 h 3709642"/>
+              <a:gd name="connsiteX7" fmla="*/ 438902 w 559472"/>
+              <a:gd name="connsiteY7" fmla="*/ 3304407 h 3709642"/>
+              <a:gd name="connsiteX8" fmla="*/ 433941 w 559472"/>
+              <a:gd name="connsiteY8" fmla="*/ 3198777 h 3709642"/>
+              <a:gd name="connsiteX9" fmla="*/ 427584 w 559472"/>
+              <a:gd name="connsiteY9" fmla="*/ 3092510 h 3709642"/>
+              <a:gd name="connsiteX10" fmla="*/ 420988 w 559472"/>
+              <a:gd name="connsiteY10" fmla="*/ 2984390 h 3709642"/>
+              <a:gd name="connsiteX11" fmla="*/ 414330 w 559472"/>
+              <a:gd name="connsiteY11" fmla="*/ 2874401 h 3709642"/>
+              <a:gd name="connsiteX12" fmla="*/ 406840 w 559472"/>
+              <a:gd name="connsiteY12" fmla="*/ 2762980 h 3709642"/>
+              <a:gd name="connsiteX13" fmla="*/ 397745 w 559472"/>
+              <a:gd name="connsiteY13" fmla="*/ 2650566 h 3709642"/>
+              <a:gd name="connsiteX14" fmla="*/ 389154 w 559472"/>
+              <a:gd name="connsiteY14" fmla="*/ 2536612 h 3709642"/>
+              <a:gd name="connsiteX15" fmla="*/ 379225 w 559472"/>
+              <a:gd name="connsiteY15" fmla="*/ 2421642 h 3709642"/>
+              <a:gd name="connsiteX16" fmla="*/ 368316 w 559472"/>
+              <a:gd name="connsiteY16" fmla="*/ 2305627 h 3709642"/>
+              <a:gd name="connsiteX17" fmla="*/ 357466 w 559472"/>
+              <a:gd name="connsiteY17" fmla="*/ 2189233 h 3709642"/>
+              <a:gd name="connsiteX18" fmla="*/ 344982 w 559472"/>
+              <a:gd name="connsiteY18" fmla="*/ 2071473 h 3709642"/>
+              <a:gd name="connsiteX19" fmla="*/ 332466 w 559472"/>
+              <a:gd name="connsiteY19" fmla="*/ 1952216 h 3709642"/>
+              <a:gd name="connsiteX20" fmla="*/ 319121 w 559472"/>
+              <a:gd name="connsiteY20" fmla="*/ 1833776 h 3709642"/>
+              <a:gd name="connsiteX21" fmla="*/ 304408 w 559472"/>
+              <a:gd name="connsiteY21" fmla="*/ 1713948 h 3709642"/>
+              <a:gd name="connsiteX22" fmla="*/ 288685 w 559472"/>
+              <a:gd name="connsiteY22" fmla="*/ 1592703 h 3709642"/>
+              <a:gd name="connsiteX23" fmla="*/ 273050 w 559472"/>
+              <a:gd name="connsiteY23" fmla="*/ 1471451 h 3709642"/>
+              <a:gd name="connsiteX24" fmla="*/ 255813 w 559472"/>
+              <a:gd name="connsiteY24" fmla="*/ 1350328 h 3709642"/>
+              <a:gd name="connsiteX25" fmla="*/ 237060 w 559472"/>
+              <a:gd name="connsiteY25" fmla="*/ 1227080 h 3709642"/>
+              <a:gd name="connsiteX26" fmla="*/ 218488 w 559472"/>
+              <a:gd name="connsiteY26" fmla="*/ 1106065 h 3709642"/>
+              <a:gd name="connsiteX27" fmla="*/ 198221 w 559472"/>
+              <a:gd name="connsiteY27" fmla="*/ 982940 h 3709642"/>
+              <a:gd name="connsiteX28" fmla="*/ 177152 w 559472"/>
+              <a:gd name="connsiteY28" fmla="*/ 858755 h 3709642"/>
+              <a:gd name="connsiteX29" fmla="*/ 155551 w 559472"/>
+              <a:gd name="connsiteY29" fmla="*/ 736861 h 3709642"/>
+              <a:gd name="connsiteX30" fmla="*/ 131782 w 559472"/>
+              <a:gd name="connsiteY30" fmla="*/ 613645 h 3709642"/>
+              <a:gd name="connsiteX31" fmla="*/ 107123 w 559472"/>
+              <a:gd name="connsiteY31" fmla="*/ 490500 h 3709642"/>
+              <a:gd name="connsiteX32" fmla="*/ 82552 w 559472"/>
+              <a:gd name="connsiteY32" fmla="*/ 367348 h 3709642"/>
+              <a:gd name="connsiteX33" fmla="*/ 55608 w 559472"/>
+              <a:gd name="connsiteY33" fmla="*/ 244762 h 3709642"/>
+              <a:gd name="connsiteX34" fmla="*/ 28130 w 559472"/>
+              <a:gd name="connsiteY34" fmla="*/ 122220 h 3709642"/>
+              <a:gd name="connsiteX35" fmla="*/ 0 w 559472"/>
+              <a:gd name="connsiteY35" fmla="*/ 0 h 3709642"/>
+            </a:gdLst>
+            <a:ahLst/>
+            <a:cxnLst>
+              <a:cxn ang="0">
+                <a:pos x="connsiteX0" y="connsiteY0"/>
+              </a:cxn>
+              <a:cxn ang="0">
+                <a:pos x="connsiteX1" y="connsiteY1"/>
+              </a:cxn>
+              <a:cxn ang="0">
+                <a:pos x="connsiteX2" y="connsiteY2"/>
+              </a:cxn>
+              <a:cxn ang="0">
+                <a:pos x="connsiteX3" y="connsiteY3"/>
+              </a:cxn>
+              <a:cxn ang="0">
+                <a:pos x="connsiteX4" y="connsiteY4"/>
+              </a:cxn>
+              <a:cxn ang="0">
+                <a:pos x="connsiteX5" y="connsiteY5"/>
+              </a:cxn>
+              <a:cxn ang="0">
+                <a:pos x="connsiteX6" y="connsiteY6"/>
+              </a:cxn>
+              <a:cxn ang="0">
+                <a:pos x="connsiteX7" y="connsiteY7"/>
+              </a:cxn>
+              <a:cxn ang="0">
+                <a:pos x="connsiteX8" y="connsiteY8"/>
+              </a:cxn>
+              <a:cxn ang="0">
+                <a:pos x="connsiteX9" y="connsiteY9"/>
+              </a:cxn>
+              <a:cxn ang="0">
+                <a:pos x="connsiteX10" y="connsiteY10"/>
+              </a:cxn>
+              <a:cxn ang="0">
+                <a:pos x="connsiteX11" y="connsiteY11"/>
+              </a:cxn>
+              <a:cxn ang="0">
+                <a:pos x="connsiteX12" y="connsiteY12"/>
+              </a:cxn>
+              <a:cxn ang="0">
+                <a:pos x="connsiteX13" y="connsiteY13"/>
+              </a:cxn>
+              <a:cxn ang="0">
+                <a:pos x="connsiteX14" y="connsiteY14"/>
+              </a:cxn>
+              <a:cxn ang="0">
+                <a:pos x="connsiteX15" y="connsiteY15"/>
+              </a:cxn>
+              <a:cxn ang="0">
+                <a:pos x="connsiteX16" y="connsiteY16"/>
+              </a:cxn>
+              <a:cxn ang="0">
+                <a:pos x="connsiteX17" y="connsiteY17"/>
+              </a:cxn>
+              <a:cxn ang="0">
+                <a:pos x="connsiteX18" y="connsiteY18"/>
+              </a:cxn>
+              <a:cxn ang="0">
+                <a:pos x="connsiteX19" y="connsiteY19"/>
+              </a:cxn>
+              <a:cxn ang="0">
+                <a:pos x="connsiteX20" y="connsiteY20"/>
+              </a:cxn>
+              <a:cxn ang="0">
+                <a:pos x="connsiteX21" y="connsiteY21"/>
+              </a:cxn>
+              <a:cxn ang="0">
+                <a:pos x="connsiteX22" y="connsiteY22"/>
+              </a:cxn>
+              <a:cxn ang="0">
+                <a:pos x="connsiteX23" y="connsiteY23"/>
+              </a:cxn>
+              <a:cxn ang="0">
+                <a:pos x="connsiteX24" y="connsiteY24"/>
+              </a:cxn>
+              <a:cxn ang="0">
+                <a:pos x="connsiteX25" y="connsiteY25"/>
+              </a:cxn>
+              <a:cxn ang="0">
+                <a:pos x="connsiteX26" y="connsiteY26"/>
+              </a:cxn>
+              <a:cxn ang="0">
+                <a:pos x="connsiteX27" y="connsiteY27"/>
+              </a:cxn>
+              <a:cxn ang="0">
+                <a:pos x="connsiteX28" y="connsiteY28"/>
+              </a:cxn>
+              <a:cxn ang="0">
+                <a:pos x="connsiteX29" y="connsiteY29"/>
+              </a:cxn>
+              <a:cxn ang="0">
+                <a:pos x="connsiteX30" y="connsiteY30"/>
+              </a:cxn>
+              <a:cxn ang="0">
+                <a:pos x="connsiteX31" y="connsiteY31"/>
+              </a:cxn>
+              <a:cxn ang="0">
+                <a:pos x="connsiteX32" y="connsiteY32"/>
+              </a:cxn>
+              <a:cxn ang="0">
+                <a:pos x="connsiteX33" y="connsiteY33"/>
+              </a:cxn>
+              <a:cxn ang="0">
+                <a:pos x="connsiteX34" y="connsiteY34"/>
+              </a:cxn>
+              <a:cxn ang="0">
+                <a:pos x="connsiteX35" y="connsiteY35"/>
+              </a:cxn>
+            </a:cxnLst>
+            <a:rect l="l" t="t" r="r" b="b"/>
+            <a:pathLst>
+              <a:path w="559472" h="3709642">
+                <a:moveTo>
+                  <a:pt x="0" y="0"/>
+                </a:moveTo>
+                <a:lnTo>
+                  <a:pt x="473952" y="0"/>
+                </a:lnTo>
+                <a:lnTo>
+                  <a:pt x="485840" y="161194"/>
+                </a:lnTo>
+                <a:cubicBezTo>
+                  <a:pt x="552063" y="1147770"/>
+                  <a:pt x="592441" y="3086737"/>
+                  <a:pt x="523949" y="3672197"/>
+                </a:cubicBezTo>
+                <a:cubicBezTo>
+                  <a:pt x="500842" y="3684557"/>
+                  <a:pt x="477855" y="3697282"/>
+                  <a:pt x="454748" y="3709642"/>
+                </a:cubicBezTo>
+                <a:lnTo>
+                  <a:pt x="448224" y="3510471"/>
+                </a:lnTo>
+                <a:lnTo>
+                  <a:pt x="443564" y="3408563"/>
+                </a:lnTo>
+                <a:lnTo>
+                  <a:pt x="438902" y="3304407"/>
+                </a:lnTo>
+                <a:lnTo>
+                  <a:pt x="433941" y="3198777"/>
+                </a:lnTo>
+                <a:lnTo>
+                  <a:pt x="427584" y="3092510"/>
+                </a:lnTo>
+                <a:lnTo>
+                  <a:pt x="420988" y="2984390"/>
+                </a:lnTo>
+                <a:lnTo>
+                  <a:pt x="414330" y="2874401"/>
+                </a:lnTo>
+                <a:lnTo>
+                  <a:pt x="406840" y="2762980"/>
+                </a:lnTo>
+                <a:lnTo>
+                  <a:pt x="397745" y="2650566"/>
+                </a:lnTo>
+                <a:lnTo>
+                  <a:pt x="389154" y="2536612"/>
+                </a:lnTo>
+                <a:lnTo>
+                  <a:pt x="379225" y="2421642"/>
+                </a:lnTo>
+                <a:lnTo>
+                  <a:pt x="368316" y="2305627"/>
+                </a:lnTo>
+                <a:lnTo>
+                  <a:pt x="357466" y="2189233"/>
+                </a:lnTo>
+                <a:lnTo>
+                  <a:pt x="344982" y="2071473"/>
+                </a:lnTo>
+                <a:lnTo>
+                  <a:pt x="332466" y="1952216"/>
+                </a:lnTo>
+                <a:lnTo>
+                  <a:pt x="319121" y="1833776"/>
+                </a:lnTo>
+                <a:lnTo>
+                  <a:pt x="304408" y="1713948"/>
+                </a:lnTo>
+                <a:lnTo>
+                  <a:pt x="288685" y="1592703"/>
+                </a:lnTo>
+                <a:lnTo>
+                  <a:pt x="273050" y="1471451"/>
+                </a:lnTo>
+                <a:lnTo>
+                  <a:pt x="255813" y="1350328"/>
+                </a:lnTo>
+                <a:lnTo>
+                  <a:pt x="237060" y="1227080"/>
+                </a:lnTo>
+                <a:lnTo>
+                  <a:pt x="218488" y="1106065"/>
+                </a:lnTo>
+                <a:lnTo>
+                  <a:pt x="198221" y="982940"/>
+                </a:lnTo>
+                <a:lnTo>
+                  <a:pt x="177152" y="858755"/>
+                </a:lnTo>
+                <a:lnTo>
+                  <a:pt x="155551" y="736861"/>
+                </a:lnTo>
+                <a:lnTo>
+                  <a:pt x="131782" y="613645"/>
+                </a:lnTo>
+                <a:lnTo>
+                  <a:pt x="107123" y="490500"/>
+                </a:lnTo>
+                <a:lnTo>
+                  <a:pt x="82552" y="367348"/>
+                </a:lnTo>
+                <a:lnTo>
+                  <a:pt x="55608" y="244762"/>
+                </a:lnTo>
+                <a:lnTo>
+                  <a:pt x="28130" y="122220"/>
+                </a:lnTo>
+                <a:lnTo>
+                  <a:pt x="0" y="0"/>
+                </a:lnTo>
+                <a:close/>
+              </a:path>
+            </a:pathLst>
+          </a:custGeom>
+          <a:solidFill>
+            <a:schemeClr val="tx1">
+              <a:alpha val="20000"/>
+            </a:schemeClr>
+          </a:solidFill>
+          <a:ln>
+            <a:noFill/>
+          </a:ln>
+        </p:spPr>
+        <p:txBody>
+          <a:bodyPr rtlCol="0" anchor="ctr"/>
+          <a:lstStyle/>
+          <a:p>
+            <a:pPr algn="ctr"/>
+            <a:endParaRPr lang="en-US"/>
+          </a:p>
+        </p:txBody>
+      </p:sp>
+      <p:sp>
+        <p:nvSpPr>
+          <p:cNvPr id="26" name="Freeform 5">
+            <a:extLst>
+              <a:ext uri="{FF2B5EF4-FFF2-40B4-BE49-F238E27FC236}">
+                <a16:creationId xmlns:a16="http://schemas.microsoft.com/office/drawing/2014/main" id="{24F1DC13-C830-4B86-A9C6-927F5C55DBD7}"/>
+              </a:ext>
+              <a:ext uri="{C183D7F6-B498-43B3-948B-1728B52AA6E4}">
+                <adec:decorative xmlns:adec="http://schemas.microsoft.com/office/drawing/2017/decorative" val="1"/>
+              </a:ext>
+            </a:extLst>
+          </p:cNvPr>
+          <p:cNvSpPr>
+            <a:spLocks noGrp="1" noRot="1" noChangeAspect="1" noMove="1" noResize="1" noEditPoints="1" noAdjustHandles="1" noChangeArrowheads="1" noChangeShapeType="1" noTextEdit="1"/>
+          </p:cNvSpPr>
+          <p:nvPr>
+            <p:extLst>
+              <p:ext uri="{386F3935-93C4-4BCD-93E2-E3B085C9AB24}">
+                <p16:designElem xmlns:p16="http://schemas.microsoft.com/office/powerpoint/2015/main" val="1"/>
+              </p:ext>
+            </p:extLst>
+          </p:nvPr>
+        </p:nvSpPr>
+        <p:spPr bwMode="gray">
+          <a:xfrm rot="5400000" flipH="1">
+            <a:off x="3708596" y="2756642"/>
+            <a:ext cx="6858000" cy="1344715"/>
+          </a:xfrm>
+          <a:custGeom>
+            <a:avLst/>
+            <a:gdLst/>
+            <a:ahLst/>
+            <a:cxnLst/>
+            <a:rect l="l" t="t" r="r" b="b"/>
+            <a:pathLst>
+              <a:path w="10000" h="8000">
+                <a:moveTo>
+                  <a:pt x="0" y="0"/>
+                </a:moveTo>
+                <a:lnTo>
+                  <a:pt x="0" y="7970"/>
+                </a:lnTo>
+                <a:lnTo>
+                  <a:pt x="10000" y="8000"/>
+                </a:lnTo>
+                <a:lnTo>
+                  <a:pt x="10000" y="7"/>
+                </a:lnTo>
+                <a:lnTo>
+                  <a:pt x="10000" y="7"/>
+                </a:lnTo>
+                <a:lnTo>
+                  <a:pt x="9773" y="156"/>
+                </a:lnTo>
+                <a:lnTo>
+                  <a:pt x="9547" y="298"/>
+                </a:lnTo>
+                <a:lnTo>
+                  <a:pt x="9320" y="437"/>
+                </a:lnTo>
+                <a:lnTo>
+                  <a:pt x="9092" y="556"/>
+                </a:lnTo>
+                <a:lnTo>
+                  <a:pt x="8865" y="676"/>
+                </a:lnTo>
+                <a:lnTo>
+                  <a:pt x="8637" y="788"/>
+                </a:lnTo>
+                <a:lnTo>
+                  <a:pt x="8412" y="884"/>
+                </a:lnTo>
+                <a:lnTo>
+                  <a:pt x="8184" y="975"/>
+                </a:lnTo>
+                <a:lnTo>
+                  <a:pt x="7957" y="1058"/>
+                </a:lnTo>
+                <a:lnTo>
+                  <a:pt x="7734" y="1130"/>
+                </a:lnTo>
+                <a:lnTo>
+                  <a:pt x="7508" y="1202"/>
+                </a:lnTo>
+                <a:lnTo>
+                  <a:pt x="7285" y="1262"/>
+                </a:lnTo>
+                <a:lnTo>
+                  <a:pt x="7062" y="1309"/>
+                </a:lnTo>
+                <a:lnTo>
+                  <a:pt x="6840" y="1358"/>
+                </a:lnTo>
+                <a:lnTo>
+                  <a:pt x="6620" y="1399"/>
+                </a:lnTo>
+                <a:lnTo>
+                  <a:pt x="6402" y="1428"/>
+                </a:lnTo>
+                <a:lnTo>
+                  <a:pt x="6184" y="1453"/>
+                </a:lnTo>
+                <a:lnTo>
+                  <a:pt x="5968" y="1477"/>
+                </a:lnTo>
+                <a:lnTo>
+                  <a:pt x="5755" y="1488"/>
+                </a:lnTo>
+                <a:lnTo>
+                  <a:pt x="5542" y="1500"/>
+                </a:lnTo>
+                <a:lnTo>
+                  <a:pt x="5332" y="1506"/>
+                </a:lnTo>
+                <a:lnTo>
+                  <a:pt x="5124" y="1500"/>
+                </a:lnTo>
+                <a:lnTo>
+                  <a:pt x="4918" y="1500"/>
+                </a:lnTo>
+                <a:lnTo>
+                  <a:pt x="4714" y="1488"/>
+                </a:lnTo>
+                <a:lnTo>
+                  <a:pt x="4514" y="1470"/>
+                </a:lnTo>
+                <a:lnTo>
+                  <a:pt x="4316" y="1453"/>
+                </a:lnTo>
+                <a:lnTo>
+                  <a:pt x="4122" y="1434"/>
+                </a:lnTo>
+                <a:lnTo>
+                  <a:pt x="3929" y="1405"/>
+                </a:lnTo>
+                <a:lnTo>
+                  <a:pt x="3739" y="1374"/>
+                </a:lnTo>
+                <a:lnTo>
+                  <a:pt x="3553" y="1346"/>
+                </a:lnTo>
+                <a:lnTo>
+                  <a:pt x="3190" y="1267"/>
+                </a:lnTo>
+                <a:lnTo>
+                  <a:pt x="2842" y="1183"/>
+                </a:lnTo>
+                <a:lnTo>
+                  <a:pt x="2508" y="1095"/>
+                </a:lnTo>
+                <a:lnTo>
+                  <a:pt x="2192" y="998"/>
+                </a:lnTo>
+                <a:lnTo>
+                  <a:pt x="1890" y="897"/>
+                </a:lnTo>
+                <a:lnTo>
+                  <a:pt x="1610" y="788"/>
+                </a:lnTo>
+                <a:lnTo>
+                  <a:pt x="1347" y="681"/>
+                </a:lnTo>
+                <a:lnTo>
+                  <a:pt x="1105" y="574"/>
+                </a:lnTo>
+                <a:lnTo>
+                  <a:pt x="883" y="473"/>
+                </a:lnTo>
+                <a:lnTo>
+                  <a:pt x="686" y="377"/>
+                </a:lnTo>
+                <a:lnTo>
+                  <a:pt x="508" y="286"/>
+                </a:lnTo>
+                <a:lnTo>
+                  <a:pt x="358" y="210"/>
+                </a:lnTo>
+                <a:lnTo>
+                  <a:pt x="232" y="138"/>
+                </a:lnTo>
+                <a:lnTo>
+                  <a:pt x="59" y="35"/>
+                </a:lnTo>
+                <a:lnTo>
+                  <a:pt x="0" y="0"/>
+                </a:lnTo>
+                <a:lnTo>
+                  <a:pt x="0" y="0"/>
+                </a:lnTo>
+                <a:close/>
+              </a:path>
+            </a:pathLst>
+          </a:custGeom>
+          <a:solidFill>
+            <a:srgbClr val="FFFFFF"/>
+          </a:solidFill>
+          <a:ln>
+            <a:noFill/>
+          </a:ln>
+        </p:spPr>
+        <p:txBody>
+          <a:bodyPr/>
+          <a:lstStyle/>
+          <a:p>
+            <a:endParaRPr lang="en-US"/>
+          </a:p>
+        </p:txBody>
+      </p:sp>
+      <p:pic>
+        <p:nvPicPr>
+          <p:cNvPr id="5" name="Content Placeholder 4" descr="A screenshot of a computer&#10;&#10;Description automatically generated">
+            <a:extLst>
+              <a:ext uri="{FF2B5EF4-FFF2-40B4-BE49-F238E27FC236}">
+                <a16:creationId xmlns:a16="http://schemas.microsoft.com/office/drawing/2014/main" id="{D114159A-EE56-71E2-CC5C-4974F7099D75}"/>
+              </a:ext>
+            </a:extLst>
+          </p:cNvPr>
+          <p:cNvPicPr>
+            <a:picLocks noGrp="1" noChangeAspect="1"/>
+          </p:cNvPicPr>
+          <p:nvPr>
+            <p:ph idx="1"/>
+          </p:nvPr>
+        </p:nvPicPr>
+        <p:blipFill>
+          <a:blip r:embed="rId7"/>
+          <a:stretch>
+            <a:fillRect/>
+          </a:stretch>
+        </p:blipFill>
+        <p:spPr>
+          <a:xfrm>
+            <a:off x="643854" y="1693016"/>
+            <a:ext cx="6270662" cy="3471503"/>
+          </a:xfrm>
+          <a:prstGeom prst="rect">
+            <a:avLst/>
+          </a:prstGeom>
+          <a:effectLst/>
+        </p:spPr>
+      </p:pic>
+    </p:spTree>
+    <p:extLst>
+      <p:ext uri="{BB962C8B-B14F-4D97-AF65-F5344CB8AC3E}">
+        <p14:creationId xmlns:p14="http://schemas.microsoft.com/office/powerpoint/2010/main" val="4261868889"/>
+      </p:ext>
+    </p:extLst>
+  </p:cSld>
+  <p:clrMapOvr>
+    <a:masterClrMapping/>
+  </p:clrMapOvr>
+</p:sld>
+</file>
+
+<file path=ppt/slides/slide11.xml><?xml version="1.0" encoding="utf-8"?>
+<p:sld xmlns:a="http://schemas.openxmlformats.org/drawingml/2006/main" xmlns:r="http://schemas.openxmlformats.org/officeDocument/2006/relationships" xmlns:p="http://schemas.openxmlformats.org/presentationml/2006/main">
+  <p:cSld>
+    <p:bg>
+      <p:bgPr>
+        <a:blipFill rotWithShape="1">
+          <a:blip r:embed="rId2">
+            <a:duotone>
+              <a:schemeClr val="bg2">
+                <a:shade val="62000"/>
+                <a:hueMod val="108000"/>
+                <a:satMod val="164000"/>
+                <a:lumMod val="69000"/>
+              </a:schemeClr>
+              <a:schemeClr val="bg2">
+                <a:tint val="96000"/>
+                <a:hueMod val="90000"/>
+                <a:satMod val="130000"/>
+                <a:lumMod val="134000"/>
+              </a:schemeClr>
+            </a:duotone>
+          </a:blip>
+          <a:stretch/>
+        </a:blipFill>
+        <a:effectLst/>
+      </p:bgPr>
+    </p:bg>
+    <p:spTree>
+      <p:nvGrpSpPr>
+        <p:cNvPr id="1" name=""/>
+        <p:cNvGrpSpPr/>
+        <p:nvPr/>
+      </p:nvGrpSpPr>
+      <p:grpSpPr>
+        <a:xfrm>
+          <a:off x="0" y="0"/>
+          <a:ext cx="0" cy="0"/>
+          <a:chOff x="0" y="0"/>
+          <a:chExt cx="0" cy="0"/>
+        </a:xfrm>
+      </p:grpSpPr>
+      <p:pic>
+        <p:nvPicPr>
+          <p:cNvPr id="10" name="Picture 9">
+            <a:extLst>
+              <a:ext uri="{FF2B5EF4-FFF2-40B4-BE49-F238E27FC236}">
+                <a16:creationId xmlns:a16="http://schemas.microsoft.com/office/drawing/2014/main" id="{7594FC8B-8CD2-407F-94F1-9C71F5AEC2B6}"/>
+              </a:ext>
+              <a:ext uri="{C183D7F6-B498-43B3-948B-1728B52AA6E4}">
+                <adec:decorative xmlns:adec="http://schemas.microsoft.com/office/drawing/2017/decorative" val="1"/>
+              </a:ext>
+            </a:extLst>
+          </p:cNvPr>
+          <p:cNvPicPr>
+            <a:picLocks noGrp="1" noRot="1" noChangeAspect="1" noMove="1" noResize="1" noEditPoints="1" noAdjustHandles="1" noChangeArrowheads="1" noChangeShapeType="1" noCrop="1"/>
+          </p:cNvPicPr>
+          <p:nvPr>
+            <p:extLst>
+              <p:ext uri="{386F3935-93C4-4BCD-93E2-E3B085C9AB24}">
+                <p16:designElem xmlns:p16="http://schemas.microsoft.com/office/powerpoint/2015/main" val="1"/>
+              </p:ext>
+            </p:extLst>
+          </p:nvPr>
+        </p:nvPicPr>
+        <p:blipFill rotWithShape="1">
+          <a:blip r:embed="rId3">
+            <a:extLst>
+              <a:ext uri="{28A0092B-C50C-407E-A947-70E740481C1C}">
+                <a14:useLocalDpi xmlns:a14="http://schemas.microsoft.com/office/drawing/2010/main" val="0"/>
+              </a:ext>
+            </a:extLst>
+          </a:blip>
+          <a:srcRect l="3613"/>
+          <a:stretch/>
+        </p:blipFill>
+        <p:spPr>
+          <a:xfrm>
+            <a:off x="0" y="2669685"/>
+            <a:ext cx="4037012" cy="4188315"/>
+          </a:xfrm>
+          <a:prstGeom prst="rect">
+            <a:avLst/>
+          </a:prstGeom>
+        </p:spPr>
+      </p:pic>
+      <p:pic>
+        <p:nvPicPr>
+          <p:cNvPr id="12" name="Picture 11">
+            <a:extLst>
+              <a:ext uri="{FF2B5EF4-FFF2-40B4-BE49-F238E27FC236}">
+                <a16:creationId xmlns:a16="http://schemas.microsoft.com/office/drawing/2014/main" id="{DBABC971-8D40-4A4F-AC60-28B9172789B9}"/>
+              </a:ext>
+              <a:ext uri="{C183D7F6-B498-43B3-948B-1728B52AA6E4}">
+                <adec:decorative xmlns:adec="http://schemas.microsoft.com/office/drawing/2017/decorative" val="1"/>
+              </a:ext>
+            </a:extLst>
+          </p:cNvPr>
+          <p:cNvPicPr>
+            <a:picLocks noGrp="1" noRot="1" noChangeAspect="1" noMove="1" noResize="1" noEditPoints="1" noAdjustHandles="1" noChangeArrowheads="1" noChangeShapeType="1" noCrop="1"/>
+          </p:cNvPicPr>
+          <p:nvPr>
+            <p:extLst>
+              <p:ext uri="{386F3935-93C4-4BCD-93E2-E3B085C9AB24}">
+                <p16:designElem xmlns:p16="http://schemas.microsoft.com/office/powerpoint/2015/main" val="1"/>
+              </p:ext>
+            </p:extLst>
+          </p:nvPr>
+        </p:nvPicPr>
+        <p:blipFill rotWithShape="1">
+          <a:blip r:embed="rId4">
+            <a:extLst>
+              <a:ext uri="{28A0092B-C50C-407E-A947-70E740481C1C}">
+                <a14:useLocalDpi xmlns:a14="http://schemas.microsoft.com/office/drawing/2010/main" val="0"/>
+              </a:ext>
+            </a:extLst>
+          </a:blip>
+          <a:srcRect l="35640"/>
+          <a:stretch/>
+        </p:blipFill>
+        <p:spPr>
+          <a:xfrm>
+            <a:off x="0" y="2892347"/>
+            <a:ext cx="1522412" cy="2365453"/>
+          </a:xfrm>
+          <a:prstGeom prst="rect">
+            <a:avLst/>
+          </a:prstGeom>
+        </p:spPr>
+      </p:pic>
+      <p:sp>
+        <p:nvSpPr>
+          <p:cNvPr id="14" name="Oval 13">
+            <a:extLst>
+              <a:ext uri="{FF2B5EF4-FFF2-40B4-BE49-F238E27FC236}">
+                <a16:creationId xmlns:a16="http://schemas.microsoft.com/office/drawing/2014/main" id="{B9C04DC5-313B-4FE4-B868-5672A376419F}"/>
+              </a:ext>
+              <a:ext uri="{C183D7F6-B498-43B3-948B-1728B52AA6E4}">
+                <adec:decorative xmlns:adec="http://schemas.microsoft.com/office/drawing/2017/decorative" val="1"/>
+              </a:ext>
+            </a:extLst>
+          </p:cNvPr>
+          <p:cNvSpPr>
+            <a:spLocks noGrp="1" noRot="1" noChangeAspect="1" noMove="1" noResize="1" noEditPoints="1" noAdjustHandles="1" noChangeArrowheads="1" noChangeShapeType="1" noTextEdit="1"/>
+          </p:cNvSpPr>
+          <p:nvPr>
+            <p:extLst>
+              <p:ext uri="{386F3935-93C4-4BCD-93E2-E3B085C9AB24}">
+                <p16:designElem xmlns:p16="http://schemas.microsoft.com/office/powerpoint/2015/main" val="1"/>
+              </p:ext>
+            </p:extLst>
+          </p:nvPr>
+        </p:nvSpPr>
+        <p:spPr>
+          <a:xfrm>
+            <a:off x="8609012" y="1676400"/>
+            <a:ext cx="2819400" cy="2819400"/>
+          </a:xfrm>
+          <a:prstGeom prst="ellipse">
+            <a:avLst/>
+          </a:prstGeom>
+          <a:gradFill flip="none" rotWithShape="1">
+            <a:gsLst>
+              <a:gs pos="0">
+                <a:schemeClr val="bg2">
+                  <a:lumMod val="40000"/>
+                  <a:lumOff val="60000"/>
+                  <a:alpha val="7000"/>
+                </a:schemeClr>
+              </a:gs>
+              <a:gs pos="69000">
+                <a:schemeClr val="bg2">
+                  <a:lumMod val="40000"/>
+                  <a:lumOff val="60000"/>
+                  <a:alpha val="0"/>
+                </a:schemeClr>
+              </a:gs>
+              <a:gs pos="36000">
+                <a:schemeClr val="bg2">
+                  <a:lumMod val="40000"/>
+                  <a:lumOff val="60000"/>
+                  <a:alpha val="6000"/>
+                </a:schemeClr>
+              </a:gs>
+            </a:gsLst>
+            <a:path path="circle">
+              <a:fillToRect l="50000" t="50000" r="50000" b="50000"/>
+            </a:path>
+            <a:tileRect/>
+          </a:gradFill>
+          <a:ln>
+            <a:noFill/>
+          </a:ln>
+          <a:effectLst/>
+        </p:spPr>
+        <p:style>
+          <a:lnRef idx="1">
+            <a:schemeClr val="accent1"/>
+          </a:lnRef>
+          <a:fillRef idx="3">
+            <a:schemeClr val="accent1"/>
+          </a:fillRef>
+          <a:effectRef idx="2">
+            <a:schemeClr val="accent1"/>
+          </a:effectRef>
+          <a:fontRef idx="minor">
+            <a:schemeClr val="lt1"/>
+          </a:fontRef>
+        </p:style>
+        <p:txBody>
+          <a:bodyPr/>
+          <a:lstStyle/>
+          <a:p>
+            <a:endParaRPr lang="en-US"/>
+          </a:p>
+        </p:txBody>
+      </p:sp>
+      <p:pic>
+        <p:nvPicPr>
+          <p:cNvPr id="16" name="Picture 15">
+            <a:extLst>
+              <a:ext uri="{FF2B5EF4-FFF2-40B4-BE49-F238E27FC236}">
+                <a16:creationId xmlns:a16="http://schemas.microsoft.com/office/drawing/2014/main" id="{791AE23E-90C9-4963-96E2-8DADBFC3BC09}"/>
+              </a:ext>
+              <a:ext uri="{C183D7F6-B498-43B3-948B-1728B52AA6E4}">
+                <adec:decorative xmlns:adec="http://schemas.microsoft.com/office/drawing/2017/decorative" val="1"/>
+              </a:ext>
+            </a:extLst>
+          </p:cNvPr>
+          <p:cNvPicPr>
+            <a:picLocks noGrp="1" noRot="1" noChangeAspect="1" noMove="1" noResize="1" noEditPoints="1" noAdjustHandles="1" noChangeArrowheads="1" noChangeShapeType="1" noCrop="1"/>
+          </p:cNvPicPr>
+          <p:nvPr>
+            <p:extLst>
+              <p:ext uri="{386F3935-93C4-4BCD-93E2-E3B085C9AB24}">
+                <p16:designElem xmlns:p16="http://schemas.microsoft.com/office/powerpoint/2015/main" val="1"/>
+              </p:ext>
+            </p:extLst>
+          </p:nvPr>
+        </p:nvPicPr>
+        <p:blipFill rotWithShape="1">
+          <a:blip r:embed="rId5">
+            <a:extLst>
+              <a:ext uri="{28A0092B-C50C-407E-A947-70E740481C1C}">
+                <a14:useLocalDpi xmlns:a14="http://schemas.microsoft.com/office/drawing/2010/main" val="0"/>
+              </a:ext>
+            </a:extLst>
+          </a:blip>
+          <a:srcRect t="28813"/>
+          <a:stretch/>
+        </p:blipFill>
+        <p:spPr>
+          <a:xfrm>
+            <a:off x="7999412" y="0"/>
+            <a:ext cx="1603387" cy="1141407"/>
+          </a:xfrm>
+          <a:prstGeom prst="rect">
+            <a:avLst/>
+          </a:prstGeom>
+        </p:spPr>
+      </p:pic>
+      <p:pic>
+        <p:nvPicPr>
+          <p:cNvPr id="18" name="Picture 17">
+            <a:extLst>
+              <a:ext uri="{FF2B5EF4-FFF2-40B4-BE49-F238E27FC236}">
+                <a16:creationId xmlns:a16="http://schemas.microsoft.com/office/drawing/2014/main" id="{C5F93E90-4379-4AAC-B021-E5FA6D974AED}"/>
+              </a:ext>
+              <a:ext uri="{C183D7F6-B498-43B3-948B-1728B52AA6E4}">
+                <adec:decorative xmlns:adec="http://schemas.microsoft.com/office/drawing/2017/decorative" val="1"/>
+              </a:ext>
+            </a:extLst>
+          </p:cNvPr>
+          <p:cNvPicPr>
+            <a:picLocks noGrp="1" noRot="1" noChangeAspect="1" noMove="1" noResize="1" noEditPoints="1" noAdjustHandles="1" noChangeArrowheads="1" noChangeShapeType="1" noCrop="1"/>
+          </p:cNvPicPr>
+          <p:nvPr>
+            <p:extLst>
+              <p:ext uri="{386F3935-93C4-4BCD-93E2-E3B085C9AB24}">
+                <p16:designElem xmlns:p16="http://schemas.microsoft.com/office/powerpoint/2015/main" val="1"/>
+              </p:ext>
+            </p:extLst>
+          </p:nvPr>
+        </p:nvPicPr>
+        <p:blipFill rotWithShape="1">
+          <a:blip r:embed="rId6">
+            <a:extLst>
+              <a:ext uri="{28A0092B-C50C-407E-A947-70E740481C1C}">
+                <a14:useLocalDpi xmlns:a14="http://schemas.microsoft.com/office/drawing/2010/main" val="0"/>
+              </a:ext>
+            </a:extLst>
+          </a:blip>
+          <a:srcRect b="23320"/>
+          <a:stretch/>
+        </p:blipFill>
+        <p:spPr>
+          <a:xfrm>
+            <a:off x="8609012" y="6096000"/>
+            <a:ext cx="993734" cy="762000"/>
+          </a:xfrm>
+          <a:prstGeom prst="rect">
+            <a:avLst/>
+          </a:prstGeom>
+        </p:spPr>
+      </p:pic>
+      <p:sp>
+        <p:nvSpPr>
+          <p:cNvPr id="20" name="Rectangle 19">
+            <a:extLst>
+              <a:ext uri="{FF2B5EF4-FFF2-40B4-BE49-F238E27FC236}">
+                <a16:creationId xmlns:a16="http://schemas.microsoft.com/office/drawing/2014/main" id="{329FDD08-42D8-4AFF-90E5-5DAA5BC4CBD8}"/>
+              </a:ext>
+              <a:ext uri="{C183D7F6-B498-43B3-948B-1728B52AA6E4}">
+                <adec:decorative xmlns:adec="http://schemas.microsoft.com/office/drawing/2017/decorative" val="1"/>
+              </a:ext>
+            </a:extLst>
+          </p:cNvPr>
+          <p:cNvSpPr>
+            <a:spLocks noGrp="1" noRot="1" noChangeAspect="1" noMove="1" noResize="1" noEditPoints="1" noAdjustHandles="1" noChangeArrowheads="1" noChangeShapeType="1" noTextEdit="1"/>
+          </p:cNvSpPr>
+          <p:nvPr>
+            <p:extLst>
+              <p:ext uri="{386F3935-93C4-4BCD-93E2-E3B085C9AB24}">
+                <p16:designElem xmlns:p16="http://schemas.microsoft.com/office/powerpoint/2015/main" val="1"/>
+              </p:ext>
+            </p:extLst>
+          </p:nvPr>
+        </p:nvSpPr>
+        <p:spPr>
+          <a:xfrm>
+            <a:off x="10437812" y="0"/>
+            <a:ext cx="685800" cy="1143000"/>
+          </a:xfrm>
+          <a:prstGeom prst="rect">
+            <a:avLst/>
+          </a:prstGeom>
+          <a:solidFill>
+            <a:schemeClr val="accent1"/>
+          </a:solidFill>
+          <a:ln>
+            <a:noFill/>
+          </a:ln>
+        </p:spPr>
+        <p:style>
+          <a:lnRef idx="1">
+            <a:schemeClr val="accent1"/>
+          </a:lnRef>
+          <a:fillRef idx="3">
+            <a:schemeClr val="accent1"/>
+          </a:fillRef>
+          <a:effectRef idx="2">
+            <a:schemeClr val="accent1"/>
+          </a:effectRef>
+          <a:fontRef idx="minor">
+            <a:schemeClr val="lt1"/>
+          </a:fontRef>
+        </p:style>
+        <p:txBody>
+          <a:bodyPr/>
+          <a:lstStyle/>
+          <a:p>
+            <a:endParaRPr lang="en-US"/>
+          </a:p>
+        </p:txBody>
+      </p:sp>
+      <p:sp>
+        <p:nvSpPr>
+          <p:cNvPr id="2" name="Title 1">
+            <a:extLst>
+              <a:ext uri="{FF2B5EF4-FFF2-40B4-BE49-F238E27FC236}">
                 <a16:creationId xmlns:a16="http://schemas.microsoft.com/office/drawing/2014/main" id="{1CDED3A8-BF1C-BFC7-1BCD-0DAE6DB14DF0}"/>
               </a:ext>
             </a:extLst>
@@ -14863,7 +16023,7 @@
 </p:sld>
 </file>
 
-<file path=ppt/slides/slide11.xml><?xml version="1.0" encoding="utf-8"?>
+<file path=ppt/slides/slide12.xml><?xml version="1.0" encoding="utf-8"?>
 <p:sld xmlns:a="http://schemas.openxmlformats.org/drawingml/2006/main" xmlns:r="http://schemas.openxmlformats.org/officeDocument/2006/relationships" xmlns:p="http://schemas.openxmlformats.org/presentationml/2006/main">
   <p:cSld>
     <p:spTree>
@@ -14932,41 +16092,47 @@
           <a:lstStyle/>
           <a:p>
             <a:r>
-              <a:rPr lang="en-US"/>
+              <a:rPr lang="en-US" dirty="0"/>
               <a:t>Project Ideas ( Took 2 classes!)</a:t>
             </a:r>
           </a:p>
           <a:p>
             <a:r>
-              <a:rPr lang="en-US"/>
+              <a:rPr lang="en-US" dirty="0"/>
               <a:t>New Machine Learning Model to Use (</a:t>
             </a:r>
             <a:r>
-              <a:rPr lang="en-US" err="1"/>
+              <a:rPr lang="en-US" dirty="0" err="1"/>
               <a:t>Gradientboosting</a:t>
             </a:r>
             <a:r>
-              <a:rPr lang="en-US"/>
+              <a:rPr lang="en-US" dirty="0"/>
               <a:t>)</a:t>
             </a:r>
           </a:p>
           <a:p>
             <a:r>
-              <a:rPr lang="en-US"/>
+              <a:rPr lang="en-US" dirty="0"/>
               <a:t>Visualizing correlation</a:t>
             </a:r>
           </a:p>
           <a:p>
-            <a:endParaRPr lang="en-US"/>
-          </a:p>
-          <a:p>
-            <a:endParaRPr lang="en-US"/>
-          </a:p>
-          <a:p>
-            <a:endParaRPr lang="en-US"/>
-          </a:p>
-          <a:p>
-            <a:endParaRPr lang="en-US"/>
+            <a:r>
+              <a:rPr lang="en-US" dirty="0"/>
+              <a:t>To much data!</a:t>
+            </a:r>
+          </a:p>
+          <a:p>
+            <a:endParaRPr lang="en-US" dirty="0"/>
+          </a:p>
+          <a:p>
+            <a:endParaRPr lang="en-US" dirty="0"/>
+          </a:p>
+          <a:p>
+            <a:endParaRPr lang="en-US" dirty="0"/>
+          </a:p>
+          <a:p>
+            <a:endParaRPr lang="en-US" dirty="0"/>
           </a:p>
         </p:txBody>
       </p:sp>
@@ -14983,7 +16149,7 @@
 </p:sld>
 </file>
 
-<file path=ppt/slides/slide12.xml><?xml version="1.0" encoding="utf-8"?>
+<file path=ppt/slides/slide13.xml><?xml version="1.0" encoding="utf-8"?>
 <p:sld xmlns:a="http://schemas.openxmlformats.org/drawingml/2006/main" xmlns:r="http://schemas.openxmlformats.org/officeDocument/2006/relationships" xmlns:p="http://schemas.openxmlformats.org/presentationml/2006/main">
   <p:cSld>
     <p:bg>
@@ -17036,6 +18202,809 @@
 </file>
 
 <file path=ppt/slides/slide7.xml><?xml version="1.0" encoding="utf-8"?>
+<p:sld xmlns:a="http://schemas.openxmlformats.org/drawingml/2006/main" xmlns:r="http://schemas.openxmlformats.org/officeDocument/2006/relationships" xmlns:p="http://schemas.openxmlformats.org/presentationml/2006/main">
+  <p:cSld>
+    <p:bg>
+      <p:bgPr>
+        <a:blipFill rotWithShape="1">
+          <a:blip r:embed="rId2">
+            <a:duotone>
+              <a:schemeClr val="bg2">
+                <a:shade val="62000"/>
+                <a:hueMod val="108000"/>
+                <a:satMod val="164000"/>
+                <a:lumMod val="69000"/>
+              </a:schemeClr>
+              <a:schemeClr val="bg2">
+                <a:tint val="96000"/>
+                <a:hueMod val="90000"/>
+                <a:satMod val="130000"/>
+                <a:lumMod val="134000"/>
+              </a:schemeClr>
+            </a:duotone>
+          </a:blip>
+          <a:stretch/>
+        </a:blipFill>
+        <a:effectLst/>
+      </p:bgPr>
+    </p:bg>
+    <p:spTree>
+      <p:nvGrpSpPr>
+        <p:cNvPr id="1" name=""/>
+        <p:cNvGrpSpPr/>
+        <p:nvPr/>
+      </p:nvGrpSpPr>
+      <p:grpSpPr>
+        <a:xfrm>
+          <a:off x="0" y="0"/>
+          <a:ext cx="0" cy="0"/>
+          <a:chOff x="0" y="0"/>
+          <a:chExt cx="0" cy="0"/>
+        </a:xfrm>
+      </p:grpSpPr>
+      <p:sp>
+        <p:nvSpPr>
+          <p:cNvPr id="2" name="Title 1">
+            <a:extLst>
+              <a:ext uri="{FF2B5EF4-FFF2-40B4-BE49-F238E27FC236}">
+                <a16:creationId xmlns:a16="http://schemas.microsoft.com/office/drawing/2014/main" id="{4215FFAD-BF6E-6BD1-362D-4E0FEE9DDEC9}"/>
+              </a:ext>
+            </a:extLst>
+          </p:cNvPr>
+          <p:cNvSpPr>
+            <a:spLocks noGrp="1"/>
+          </p:cNvSpPr>
+          <p:nvPr>
+            <p:ph type="title"/>
+          </p:nvPr>
+        </p:nvSpPr>
+        <p:spPr>
+          <a:xfrm>
+            <a:off x="597323" y="3074613"/>
+            <a:ext cx="4166510" cy="1622321"/>
+          </a:xfrm>
+        </p:spPr>
+        <p:txBody>
+          <a:bodyPr>
+            <a:normAutofit/>
+          </a:bodyPr>
+          <a:lstStyle/>
+          <a:p>
+            <a:r>
+              <a:rPr lang="en-US" dirty="0"/>
+              <a:t>Correlation </a:t>
+            </a:r>
+          </a:p>
+        </p:txBody>
+      </p:sp>
+      <p:sp>
+        <p:nvSpPr>
+          <p:cNvPr id="12" name="Freeform 31">
+            <a:extLst>
+              <a:ext uri="{FF2B5EF4-FFF2-40B4-BE49-F238E27FC236}">
+                <a16:creationId xmlns:a16="http://schemas.microsoft.com/office/drawing/2014/main" id="{D6CEF2A9-EF08-4FB3-AFFB-C5F77AB6E028}"/>
+              </a:ext>
+              <a:ext uri="{C183D7F6-B498-43B3-948B-1728B52AA6E4}">
+                <adec:decorative xmlns:adec="http://schemas.microsoft.com/office/drawing/2017/decorative" val="1"/>
+              </a:ext>
+            </a:extLst>
+          </p:cNvPr>
+          <p:cNvSpPr>
+            <a:spLocks noGrp="1" noRot="1" noChangeAspect="1" noMove="1" noResize="1" noEditPoints="1" noAdjustHandles="1" noChangeArrowheads="1" noChangeShapeType="1" noTextEdit="1"/>
+          </p:cNvSpPr>
+          <p:nvPr>
+            <p:extLst>
+              <p:ext uri="{386F3935-93C4-4BCD-93E2-E3B085C9AB24}">
+                <p16:designElem xmlns:p16="http://schemas.microsoft.com/office/powerpoint/2015/main" val="1"/>
+              </p:ext>
+            </p:extLst>
+          </p:nvPr>
+        </p:nvSpPr>
+        <p:spPr>
+          <a:xfrm>
+            <a:off x="4994020" y="-1"/>
+            <a:ext cx="559472" cy="3709642"/>
+          </a:xfrm>
+          <a:custGeom>
+            <a:avLst/>
+            <a:gdLst>
+              <a:gd name="connsiteX0" fmla="*/ 0 w 559472"/>
+              <a:gd name="connsiteY0" fmla="*/ 0 h 3709642"/>
+              <a:gd name="connsiteX1" fmla="*/ 473952 w 559472"/>
+              <a:gd name="connsiteY1" fmla="*/ 0 h 3709642"/>
+              <a:gd name="connsiteX2" fmla="*/ 485840 w 559472"/>
+              <a:gd name="connsiteY2" fmla="*/ 161194 h 3709642"/>
+              <a:gd name="connsiteX3" fmla="*/ 523949 w 559472"/>
+              <a:gd name="connsiteY3" fmla="*/ 3672197 h 3709642"/>
+              <a:gd name="connsiteX4" fmla="*/ 454748 w 559472"/>
+              <a:gd name="connsiteY4" fmla="*/ 3709642 h 3709642"/>
+              <a:gd name="connsiteX5" fmla="*/ 448224 w 559472"/>
+              <a:gd name="connsiteY5" fmla="*/ 3510471 h 3709642"/>
+              <a:gd name="connsiteX6" fmla="*/ 443564 w 559472"/>
+              <a:gd name="connsiteY6" fmla="*/ 3408563 h 3709642"/>
+              <a:gd name="connsiteX7" fmla="*/ 438902 w 559472"/>
+              <a:gd name="connsiteY7" fmla="*/ 3304407 h 3709642"/>
+              <a:gd name="connsiteX8" fmla="*/ 433941 w 559472"/>
+              <a:gd name="connsiteY8" fmla="*/ 3198777 h 3709642"/>
+              <a:gd name="connsiteX9" fmla="*/ 427584 w 559472"/>
+              <a:gd name="connsiteY9" fmla="*/ 3092510 h 3709642"/>
+              <a:gd name="connsiteX10" fmla="*/ 420988 w 559472"/>
+              <a:gd name="connsiteY10" fmla="*/ 2984390 h 3709642"/>
+              <a:gd name="connsiteX11" fmla="*/ 414330 w 559472"/>
+              <a:gd name="connsiteY11" fmla="*/ 2874401 h 3709642"/>
+              <a:gd name="connsiteX12" fmla="*/ 406840 w 559472"/>
+              <a:gd name="connsiteY12" fmla="*/ 2762980 h 3709642"/>
+              <a:gd name="connsiteX13" fmla="*/ 397745 w 559472"/>
+              <a:gd name="connsiteY13" fmla="*/ 2650566 h 3709642"/>
+              <a:gd name="connsiteX14" fmla="*/ 389154 w 559472"/>
+              <a:gd name="connsiteY14" fmla="*/ 2536612 h 3709642"/>
+              <a:gd name="connsiteX15" fmla="*/ 379225 w 559472"/>
+              <a:gd name="connsiteY15" fmla="*/ 2421642 h 3709642"/>
+              <a:gd name="connsiteX16" fmla="*/ 368316 w 559472"/>
+              <a:gd name="connsiteY16" fmla="*/ 2305627 h 3709642"/>
+              <a:gd name="connsiteX17" fmla="*/ 357466 w 559472"/>
+              <a:gd name="connsiteY17" fmla="*/ 2189233 h 3709642"/>
+              <a:gd name="connsiteX18" fmla="*/ 344982 w 559472"/>
+              <a:gd name="connsiteY18" fmla="*/ 2071473 h 3709642"/>
+              <a:gd name="connsiteX19" fmla="*/ 332466 w 559472"/>
+              <a:gd name="connsiteY19" fmla="*/ 1952216 h 3709642"/>
+              <a:gd name="connsiteX20" fmla="*/ 319121 w 559472"/>
+              <a:gd name="connsiteY20" fmla="*/ 1833776 h 3709642"/>
+              <a:gd name="connsiteX21" fmla="*/ 304408 w 559472"/>
+              <a:gd name="connsiteY21" fmla="*/ 1713948 h 3709642"/>
+              <a:gd name="connsiteX22" fmla="*/ 288685 w 559472"/>
+              <a:gd name="connsiteY22" fmla="*/ 1592703 h 3709642"/>
+              <a:gd name="connsiteX23" fmla="*/ 273050 w 559472"/>
+              <a:gd name="connsiteY23" fmla="*/ 1471451 h 3709642"/>
+              <a:gd name="connsiteX24" fmla="*/ 255813 w 559472"/>
+              <a:gd name="connsiteY24" fmla="*/ 1350328 h 3709642"/>
+              <a:gd name="connsiteX25" fmla="*/ 237060 w 559472"/>
+              <a:gd name="connsiteY25" fmla="*/ 1227080 h 3709642"/>
+              <a:gd name="connsiteX26" fmla="*/ 218488 w 559472"/>
+              <a:gd name="connsiteY26" fmla="*/ 1106065 h 3709642"/>
+              <a:gd name="connsiteX27" fmla="*/ 198221 w 559472"/>
+              <a:gd name="connsiteY27" fmla="*/ 982940 h 3709642"/>
+              <a:gd name="connsiteX28" fmla="*/ 177152 w 559472"/>
+              <a:gd name="connsiteY28" fmla="*/ 858755 h 3709642"/>
+              <a:gd name="connsiteX29" fmla="*/ 155551 w 559472"/>
+              <a:gd name="connsiteY29" fmla="*/ 736861 h 3709642"/>
+              <a:gd name="connsiteX30" fmla="*/ 131782 w 559472"/>
+              <a:gd name="connsiteY30" fmla="*/ 613645 h 3709642"/>
+              <a:gd name="connsiteX31" fmla="*/ 107123 w 559472"/>
+              <a:gd name="connsiteY31" fmla="*/ 490500 h 3709642"/>
+              <a:gd name="connsiteX32" fmla="*/ 82552 w 559472"/>
+              <a:gd name="connsiteY32" fmla="*/ 367348 h 3709642"/>
+              <a:gd name="connsiteX33" fmla="*/ 55608 w 559472"/>
+              <a:gd name="connsiteY33" fmla="*/ 244762 h 3709642"/>
+              <a:gd name="connsiteX34" fmla="*/ 28130 w 559472"/>
+              <a:gd name="connsiteY34" fmla="*/ 122220 h 3709642"/>
+              <a:gd name="connsiteX35" fmla="*/ 0 w 559472"/>
+              <a:gd name="connsiteY35" fmla="*/ 0 h 3709642"/>
+            </a:gdLst>
+            <a:ahLst/>
+            <a:cxnLst>
+              <a:cxn ang="0">
+                <a:pos x="connsiteX0" y="connsiteY0"/>
+              </a:cxn>
+              <a:cxn ang="0">
+                <a:pos x="connsiteX1" y="connsiteY1"/>
+              </a:cxn>
+              <a:cxn ang="0">
+                <a:pos x="connsiteX2" y="connsiteY2"/>
+              </a:cxn>
+              <a:cxn ang="0">
+                <a:pos x="connsiteX3" y="connsiteY3"/>
+              </a:cxn>
+              <a:cxn ang="0">
+                <a:pos x="connsiteX4" y="connsiteY4"/>
+              </a:cxn>
+              <a:cxn ang="0">
+                <a:pos x="connsiteX5" y="connsiteY5"/>
+              </a:cxn>
+              <a:cxn ang="0">
+                <a:pos x="connsiteX6" y="connsiteY6"/>
+              </a:cxn>
+              <a:cxn ang="0">
+                <a:pos x="connsiteX7" y="connsiteY7"/>
+              </a:cxn>
+              <a:cxn ang="0">
+                <a:pos x="connsiteX8" y="connsiteY8"/>
+              </a:cxn>
+              <a:cxn ang="0">
+                <a:pos x="connsiteX9" y="connsiteY9"/>
+              </a:cxn>
+              <a:cxn ang="0">
+                <a:pos x="connsiteX10" y="connsiteY10"/>
+              </a:cxn>
+              <a:cxn ang="0">
+                <a:pos x="connsiteX11" y="connsiteY11"/>
+              </a:cxn>
+              <a:cxn ang="0">
+                <a:pos x="connsiteX12" y="connsiteY12"/>
+              </a:cxn>
+              <a:cxn ang="0">
+                <a:pos x="connsiteX13" y="connsiteY13"/>
+              </a:cxn>
+              <a:cxn ang="0">
+                <a:pos x="connsiteX14" y="connsiteY14"/>
+              </a:cxn>
+              <a:cxn ang="0">
+                <a:pos x="connsiteX15" y="connsiteY15"/>
+              </a:cxn>
+              <a:cxn ang="0">
+                <a:pos x="connsiteX16" y="connsiteY16"/>
+              </a:cxn>
+              <a:cxn ang="0">
+                <a:pos x="connsiteX17" y="connsiteY17"/>
+              </a:cxn>
+              <a:cxn ang="0">
+                <a:pos x="connsiteX18" y="connsiteY18"/>
+              </a:cxn>
+              <a:cxn ang="0">
+                <a:pos x="connsiteX19" y="connsiteY19"/>
+              </a:cxn>
+              <a:cxn ang="0">
+                <a:pos x="connsiteX20" y="connsiteY20"/>
+              </a:cxn>
+              <a:cxn ang="0">
+                <a:pos x="connsiteX21" y="connsiteY21"/>
+              </a:cxn>
+              <a:cxn ang="0">
+                <a:pos x="connsiteX22" y="connsiteY22"/>
+              </a:cxn>
+              <a:cxn ang="0">
+                <a:pos x="connsiteX23" y="connsiteY23"/>
+              </a:cxn>
+              <a:cxn ang="0">
+                <a:pos x="connsiteX24" y="connsiteY24"/>
+              </a:cxn>
+              <a:cxn ang="0">
+                <a:pos x="connsiteX25" y="connsiteY25"/>
+              </a:cxn>
+              <a:cxn ang="0">
+                <a:pos x="connsiteX26" y="connsiteY26"/>
+              </a:cxn>
+              <a:cxn ang="0">
+                <a:pos x="connsiteX27" y="connsiteY27"/>
+              </a:cxn>
+              <a:cxn ang="0">
+                <a:pos x="connsiteX28" y="connsiteY28"/>
+              </a:cxn>
+              <a:cxn ang="0">
+                <a:pos x="connsiteX29" y="connsiteY29"/>
+              </a:cxn>
+              <a:cxn ang="0">
+                <a:pos x="connsiteX30" y="connsiteY30"/>
+              </a:cxn>
+              <a:cxn ang="0">
+                <a:pos x="connsiteX31" y="connsiteY31"/>
+              </a:cxn>
+              <a:cxn ang="0">
+                <a:pos x="connsiteX32" y="connsiteY32"/>
+              </a:cxn>
+              <a:cxn ang="0">
+                <a:pos x="connsiteX33" y="connsiteY33"/>
+              </a:cxn>
+              <a:cxn ang="0">
+                <a:pos x="connsiteX34" y="connsiteY34"/>
+              </a:cxn>
+              <a:cxn ang="0">
+                <a:pos x="connsiteX35" y="connsiteY35"/>
+              </a:cxn>
+            </a:cxnLst>
+            <a:rect l="l" t="t" r="r" b="b"/>
+            <a:pathLst>
+              <a:path w="559472" h="3709642">
+                <a:moveTo>
+                  <a:pt x="0" y="0"/>
+                </a:moveTo>
+                <a:lnTo>
+                  <a:pt x="473952" y="0"/>
+                </a:lnTo>
+                <a:lnTo>
+                  <a:pt x="485840" y="161194"/>
+                </a:lnTo>
+                <a:cubicBezTo>
+                  <a:pt x="552063" y="1147770"/>
+                  <a:pt x="592441" y="3086737"/>
+                  <a:pt x="523949" y="3672197"/>
+                </a:cubicBezTo>
+                <a:cubicBezTo>
+                  <a:pt x="500842" y="3684557"/>
+                  <a:pt x="477855" y="3697282"/>
+                  <a:pt x="454748" y="3709642"/>
+                </a:cubicBezTo>
+                <a:lnTo>
+                  <a:pt x="448224" y="3510471"/>
+                </a:lnTo>
+                <a:lnTo>
+                  <a:pt x="443564" y="3408563"/>
+                </a:lnTo>
+                <a:lnTo>
+                  <a:pt x="438902" y="3304407"/>
+                </a:lnTo>
+                <a:lnTo>
+                  <a:pt x="433941" y="3198777"/>
+                </a:lnTo>
+                <a:lnTo>
+                  <a:pt x="427584" y="3092510"/>
+                </a:lnTo>
+                <a:lnTo>
+                  <a:pt x="420988" y="2984390"/>
+                </a:lnTo>
+                <a:lnTo>
+                  <a:pt x="414330" y="2874401"/>
+                </a:lnTo>
+                <a:lnTo>
+                  <a:pt x="406840" y="2762980"/>
+                </a:lnTo>
+                <a:lnTo>
+                  <a:pt x="397745" y="2650566"/>
+                </a:lnTo>
+                <a:lnTo>
+                  <a:pt x="389154" y="2536612"/>
+                </a:lnTo>
+                <a:lnTo>
+                  <a:pt x="379225" y="2421642"/>
+                </a:lnTo>
+                <a:lnTo>
+                  <a:pt x="368316" y="2305627"/>
+                </a:lnTo>
+                <a:lnTo>
+                  <a:pt x="357466" y="2189233"/>
+                </a:lnTo>
+                <a:lnTo>
+                  <a:pt x="344982" y="2071473"/>
+                </a:lnTo>
+                <a:lnTo>
+                  <a:pt x="332466" y="1952216"/>
+                </a:lnTo>
+                <a:lnTo>
+                  <a:pt x="319121" y="1833776"/>
+                </a:lnTo>
+                <a:lnTo>
+                  <a:pt x="304408" y="1713948"/>
+                </a:lnTo>
+                <a:lnTo>
+                  <a:pt x="288685" y="1592703"/>
+                </a:lnTo>
+                <a:lnTo>
+                  <a:pt x="273050" y="1471451"/>
+                </a:lnTo>
+                <a:lnTo>
+                  <a:pt x="255813" y="1350328"/>
+                </a:lnTo>
+                <a:lnTo>
+                  <a:pt x="237060" y="1227080"/>
+                </a:lnTo>
+                <a:lnTo>
+                  <a:pt x="218488" y="1106065"/>
+                </a:lnTo>
+                <a:lnTo>
+                  <a:pt x="198221" y="982940"/>
+                </a:lnTo>
+                <a:lnTo>
+                  <a:pt x="177152" y="858755"/>
+                </a:lnTo>
+                <a:lnTo>
+                  <a:pt x="155551" y="736861"/>
+                </a:lnTo>
+                <a:lnTo>
+                  <a:pt x="131782" y="613645"/>
+                </a:lnTo>
+                <a:lnTo>
+                  <a:pt x="107123" y="490500"/>
+                </a:lnTo>
+                <a:lnTo>
+                  <a:pt x="82552" y="367348"/>
+                </a:lnTo>
+                <a:lnTo>
+                  <a:pt x="55608" y="244762"/>
+                </a:lnTo>
+                <a:lnTo>
+                  <a:pt x="28130" y="122220"/>
+                </a:lnTo>
+                <a:lnTo>
+                  <a:pt x="0" y="0"/>
+                </a:lnTo>
+                <a:close/>
+              </a:path>
+            </a:pathLst>
+          </a:custGeom>
+          <a:solidFill>
+            <a:schemeClr val="tx1">
+              <a:alpha val="20000"/>
+            </a:schemeClr>
+          </a:solidFill>
+          <a:ln>
+            <a:noFill/>
+          </a:ln>
+        </p:spPr>
+        <p:txBody>
+          <a:bodyPr rtlCol="0" anchor="ctr"/>
+          <a:lstStyle/>
+          <a:p>
+            <a:pPr algn="ctr"/>
+            <a:endParaRPr lang="en-US"/>
+          </a:p>
+        </p:txBody>
+      </p:sp>
+      <p:sp>
+        <p:nvSpPr>
+          <p:cNvPr id="14" name="Rectangle 13">
+            <a:extLst>
+              <a:ext uri="{FF2B5EF4-FFF2-40B4-BE49-F238E27FC236}">
+                <a16:creationId xmlns:a16="http://schemas.microsoft.com/office/drawing/2014/main" id="{4109C3C2-C0A8-4559-8462-8007573DF44C}"/>
+              </a:ext>
+              <a:ext uri="{C183D7F6-B498-43B3-948B-1728B52AA6E4}">
+                <adec:decorative xmlns:adec="http://schemas.microsoft.com/office/drawing/2017/decorative" val="1"/>
+              </a:ext>
+            </a:extLst>
+          </p:cNvPr>
+          <p:cNvSpPr>
+            <a:spLocks noGrp="1" noRot="1" noChangeAspect="1" noMove="1" noResize="1" noEditPoints="1" noAdjustHandles="1" noChangeArrowheads="1" noChangeShapeType="1" noTextEdit="1"/>
+          </p:cNvSpPr>
+          <p:nvPr>
+            <p:extLst>
+              <p:ext uri="{386F3935-93C4-4BCD-93E2-E3B085C9AB24}">
+                <p16:designElem xmlns:p16="http://schemas.microsoft.com/office/powerpoint/2015/main" val="1"/>
+              </p:ext>
+            </p:extLst>
+          </p:nvPr>
+        </p:nvSpPr>
+        <p:spPr>
+          <a:xfrm>
+            <a:off x="6093992" y="0"/>
+            <a:ext cx="6098427" cy="6858000"/>
+          </a:xfrm>
+          <a:prstGeom prst="rect">
+            <a:avLst/>
+          </a:prstGeom>
+          <a:solidFill>
+            <a:srgbClr val="FFFFFF"/>
+          </a:solidFill>
+          <a:ln>
+            <a:noFill/>
+          </a:ln>
+        </p:spPr>
+        <p:style>
+          <a:lnRef idx="2">
+            <a:schemeClr val="accent1">
+              <a:shade val="50000"/>
+            </a:schemeClr>
+          </a:lnRef>
+          <a:fillRef idx="1">
+            <a:schemeClr val="accent1"/>
+          </a:fillRef>
+          <a:effectRef idx="0">
+            <a:schemeClr val="accent1"/>
+          </a:effectRef>
+          <a:fontRef idx="minor">
+            <a:schemeClr val="lt1"/>
+          </a:fontRef>
+        </p:style>
+        <p:txBody>
+          <a:bodyPr rtlCol="0" anchor="ctr"/>
+          <a:lstStyle/>
+          <a:p>
+            <a:pPr algn="ctr"/>
+            <a:endParaRPr lang="en-US"/>
+          </a:p>
+        </p:txBody>
+      </p:sp>
+      <p:sp>
+        <p:nvSpPr>
+          <p:cNvPr id="16" name="Freeform 5">
+            <a:extLst>
+              <a:ext uri="{FF2B5EF4-FFF2-40B4-BE49-F238E27FC236}">
+                <a16:creationId xmlns:a16="http://schemas.microsoft.com/office/drawing/2014/main" id="{4C535542-B72A-4DE0-BE5A-5EA00508C77D}"/>
+              </a:ext>
+              <a:ext uri="{C183D7F6-B498-43B3-948B-1728B52AA6E4}">
+                <adec:decorative xmlns:adec="http://schemas.microsoft.com/office/drawing/2017/decorative" val="1"/>
+              </a:ext>
+            </a:extLst>
+          </p:cNvPr>
+          <p:cNvSpPr>
+            <a:spLocks noGrp="1" noRot="1" noChangeAspect="1" noMove="1" noResize="1" noEditPoints="1" noAdjustHandles="1" noChangeArrowheads="1" noChangeShapeType="1" noTextEdit="1"/>
+          </p:cNvSpPr>
+          <p:nvPr>
+            <p:extLst>
+              <p:ext uri="{386F3935-93C4-4BCD-93E2-E3B085C9AB24}">
+                <p16:designElem xmlns:p16="http://schemas.microsoft.com/office/powerpoint/2015/main" val="1"/>
+              </p:ext>
+            </p:extLst>
+          </p:nvPr>
+        </p:nvSpPr>
+        <p:spPr bwMode="gray">
+          <a:xfrm rot="16200000">
+            <a:off x="2450577" y="2756642"/>
+            <a:ext cx="6858000" cy="1344715"/>
+          </a:xfrm>
+          <a:custGeom>
+            <a:avLst/>
+            <a:gdLst/>
+            <a:ahLst/>
+            <a:cxnLst/>
+            <a:rect l="l" t="t" r="r" b="b"/>
+            <a:pathLst>
+              <a:path w="10000" h="8000">
+                <a:moveTo>
+                  <a:pt x="0" y="0"/>
+                </a:moveTo>
+                <a:lnTo>
+                  <a:pt x="0" y="7970"/>
+                </a:lnTo>
+                <a:lnTo>
+                  <a:pt x="10000" y="8000"/>
+                </a:lnTo>
+                <a:lnTo>
+                  <a:pt x="10000" y="7"/>
+                </a:lnTo>
+                <a:lnTo>
+                  <a:pt x="10000" y="7"/>
+                </a:lnTo>
+                <a:lnTo>
+                  <a:pt x="9773" y="156"/>
+                </a:lnTo>
+                <a:lnTo>
+                  <a:pt x="9547" y="298"/>
+                </a:lnTo>
+                <a:lnTo>
+                  <a:pt x="9320" y="437"/>
+                </a:lnTo>
+                <a:lnTo>
+                  <a:pt x="9092" y="556"/>
+                </a:lnTo>
+                <a:lnTo>
+                  <a:pt x="8865" y="676"/>
+                </a:lnTo>
+                <a:lnTo>
+                  <a:pt x="8637" y="788"/>
+                </a:lnTo>
+                <a:lnTo>
+                  <a:pt x="8412" y="884"/>
+                </a:lnTo>
+                <a:lnTo>
+                  <a:pt x="8184" y="975"/>
+                </a:lnTo>
+                <a:lnTo>
+                  <a:pt x="7957" y="1058"/>
+                </a:lnTo>
+                <a:lnTo>
+                  <a:pt x="7734" y="1130"/>
+                </a:lnTo>
+                <a:lnTo>
+                  <a:pt x="7508" y="1202"/>
+                </a:lnTo>
+                <a:lnTo>
+                  <a:pt x="7285" y="1262"/>
+                </a:lnTo>
+                <a:lnTo>
+                  <a:pt x="7062" y="1309"/>
+                </a:lnTo>
+                <a:lnTo>
+                  <a:pt x="6840" y="1358"/>
+                </a:lnTo>
+                <a:lnTo>
+                  <a:pt x="6620" y="1399"/>
+                </a:lnTo>
+                <a:lnTo>
+                  <a:pt x="6402" y="1428"/>
+                </a:lnTo>
+                <a:lnTo>
+                  <a:pt x="6184" y="1453"/>
+                </a:lnTo>
+                <a:lnTo>
+                  <a:pt x="5968" y="1477"/>
+                </a:lnTo>
+                <a:lnTo>
+                  <a:pt x="5755" y="1488"/>
+                </a:lnTo>
+                <a:lnTo>
+                  <a:pt x="5542" y="1500"/>
+                </a:lnTo>
+                <a:lnTo>
+                  <a:pt x="5332" y="1506"/>
+                </a:lnTo>
+                <a:lnTo>
+                  <a:pt x="5124" y="1500"/>
+                </a:lnTo>
+                <a:lnTo>
+                  <a:pt x="4918" y="1500"/>
+                </a:lnTo>
+                <a:lnTo>
+                  <a:pt x="4714" y="1488"/>
+                </a:lnTo>
+                <a:lnTo>
+                  <a:pt x="4514" y="1470"/>
+                </a:lnTo>
+                <a:lnTo>
+                  <a:pt x="4316" y="1453"/>
+                </a:lnTo>
+                <a:lnTo>
+                  <a:pt x="4122" y="1434"/>
+                </a:lnTo>
+                <a:lnTo>
+                  <a:pt x="3929" y="1405"/>
+                </a:lnTo>
+                <a:lnTo>
+                  <a:pt x="3739" y="1374"/>
+                </a:lnTo>
+                <a:lnTo>
+                  <a:pt x="3553" y="1346"/>
+                </a:lnTo>
+                <a:lnTo>
+                  <a:pt x="3190" y="1267"/>
+                </a:lnTo>
+                <a:lnTo>
+                  <a:pt x="2842" y="1183"/>
+                </a:lnTo>
+                <a:lnTo>
+                  <a:pt x="2508" y="1095"/>
+                </a:lnTo>
+                <a:lnTo>
+                  <a:pt x="2192" y="998"/>
+                </a:lnTo>
+                <a:lnTo>
+                  <a:pt x="1890" y="897"/>
+                </a:lnTo>
+                <a:lnTo>
+                  <a:pt x="1610" y="788"/>
+                </a:lnTo>
+                <a:lnTo>
+                  <a:pt x="1347" y="681"/>
+                </a:lnTo>
+                <a:lnTo>
+                  <a:pt x="1105" y="574"/>
+                </a:lnTo>
+                <a:lnTo>
+                  <a:pt x="883" y="473"/>
+                </a:lnTo>
+                <a:lnTo>
+                  <a:pt x="686" y="377"/>
+                </a:lnTo>
+                <a:lnTo>
+                  <a:pt x="508" y="286"/>
+                </a:lnTo>
+                <a:lnTo>
+                  <a:pt x="358" y="210"/>
+                </a:lnTo>
+                <a:lnTo>
+                  <a:pt x="232" y="138"/>
+                </a:lnTo>
+                <a:lnTo>
+                  <a:pt x="59" y="35"/>
+                </a:lnTo>
+                <a:lnTo>
+                  <a:pt x="0" y="0"/>
+                </a:lnTo>
+                <a:lnTo>
+                  <a:pt x="0" y="0"/>
+                </a:lnTo>
+                <a:close/>
+              </a:path>
+            </a:pathLst>
+          </a:custGeom>
+          <a:solidFill>
+            <a:srgbClr val="FFFFFF"/>
+          </a:solidFill>
+          <a:ln>
+            <a:noFill/>
+          </a:ln>
+        </p:spPr>
+        <p:txBody>
+          <a:bodyPr/>
+          <a:lstStyle/>
+          <a:p>
+            <a:endParaRPr lang="en-US"/>
+          </a:p>
+        </p:txBody>
+      </p:sp>
+      <p:pic>
+        <p:nvPicPr>
+          <p:cNvPr id="5" name="Content Placeholder 4">
+            <a:extLst>
+              <a:ext uri="{FF2B5EF4-FFF2-40B4-BE49-F238E27FC236}">
+                <a16:creationId xmlns:a16="http://schemas.microsoft.com/office/drawing/2014/main" id="{B495182A-424D-68BE-2842-1D410A58A4BB}"/>
+              </a:ext>
+            </a:extLst>
+          </p:cNvPr>
+          <p:cNvPicPr>
+            <a:picLocks noChangeAspect="1"/>
+          </p:cNvPicPr>
+          <p:nvPr/>
+        </p:nvPicPr>
+        <p:blipFill>
+          <a:blip r:embed="rId3"/>
+          <a:stretch>
+            <a:fillRect/>
+          </a:stretch>
+        </p:blipFill>
+        <p:spPr>
+          <a:xfrm>
+            <a:off x="5766692" y="1174105"/>
+            <a:ext cx="5777190" cy="5423339"/>
+          </a:xfrm>
+          <a:prstGeom prst="rect">
+            <a:avLst/>
+          </a:prstGeom>
+          <a:effectLst/>
+        </p:spPr>
+      </p:pic>
+      <p:sp>
+        <p:nvSpPr>
+          <p:cNvPr id="18" name="Rectangle 17">
+            <a:extLst>
+              <a:ext uri="{FF2B5EF4-FFF2-40B4-BE49-F238E27FC236}">
+                <a16:creationId xmlns:a16="http://schemas.microsoft.com/office/drawing/2014/main" id="{11DF0705-615B-4CF3-A16F-8C14680D8BA6}"/>
+              </a:ext>
+              <a:ext uri="{C183D7F6-B498-43B3-948B-1728B52AA6E4}">
+                <adec:decorative xmlns:adec="http://schemas.microsoft.com/office/drawing/2017/decorative" val="1"/>
+              </a:ext>
+            </a:extLst>
+          </p:cNvPr>
+          <p:cNvSpPr>
+            <a:spLocks noGrp="1" noRot="1" noChangeAspect="1" noMove="1" noResize="1" noEditPoints="1" noAdjustHandles="1" noChangeArrowheads="1" noChangeShapeType="1" noTextEdit="1"/>
+          </p:cNvSpPr>
+          <p:nvPr>
+            <p:extLst>
+              <p:ext uri="{386F3935-93C4-4BCD-93E2-E3B085C9AB24}">
+                <p16:designElem xmlns:p16="http://schemas.microsoft.com/office/powerpoint/2015/main" val="1"/>
+              </p:ext>
+            </p:extLst>
+          </p:nvPr>
+        </p:nvSpPr>
+        <p:spPr>
+          <a:xfrm>
+            <a:off x="10442448" y="0"/>
+            <a:ext cx="685800" cy="1143000"/>
+          </a:xfrm>
+          <a:prstGeom prst="rect">
+            <a:avLst/>
+          </a:prstGeom>
+          <a:solidFill>
+            <a:schemeClr val="accent1"/>
+          </a:solidFill>
+          <a:ln>
+            <a:noFill/>
+          </a:ln>
+        </p:spPr>
+        <p:style>
+          <a:lnRef idx="1">
+            <a:schemeClr val="accent1"/>
+          </a:lnRef>
+          <a:fillRef idx="3">
+            <a:schemeClr val="accent1"/>
+          </a:fillRef>
+          <a:effectRef idx="2">
+            <a:schemeClr val="accent1"/>
+          </a:effectRef>
+          <a:fontRef idx="minor">
+            <a:schemeClr val="lt1"/>
+          </a:fontRef>
+        </p:style>
+        <p:txBody>
+          <a:bodyPr/>
+          <a:lstStyle/>
+          <a:p>
+            <a:endParaRPr lang="en-US"/>
+          </a:p>
+        </p:txBody>
+      </p:sp>
+    </p:spTree>
+    <p:extLst>
+      <p:ext uri="{BB962C8B-B14F-4D97-AF65-F5344CB8AC3E}">
+        <p14:creationId xmlns:p14="http://schemas.microsoft.com/office/powerpoint/2010/main" val="1725549383"/>
+      </p:ext>
+    </p:extLst>
+  </p:cSld>
+  <p:clrMapOvr>
+    <a:masterClrMapping/>
+  </p:clrMapOvr>
+</p:sld>
+</file>
+
+<file path=ppt/slides/slide8.xml><?xml version="1.0" encoding="utf-8"?>
 <p:sld xmlns:a="http://schemas.openxmlformats.org/drawingml/2006/main" xmlns:r="http://schemas.openxmlformats.org/officeDocument/2006/relationships" xmlns:p="http://schemas.openxmlformats.org/presentationml/2006/main">
   <p:cSld>
     <p:bg>
@@ -18108,7 +20077,7 @@
 </p:sld>
 </file>
 
-<file path=ppt/slides/slide8.xml><?xml version="1.0" encoding="utf-8"?>
+<file path=ppt/slides/slide9.xml><?xml version="1.0" encoding="utf-8"?>
 <p:sld xmlns:a="http://schemas.openxmlformats.org/drawingml/2006/main" xmlns:r="http://schemas.openxmlformats.org/officeDocument/2006/relationships" xmlns:p="http://schemas.openxmlformats.org/presentationml/2006/main">
   <p:cSld>
     <p:bg>
@@ -19172,1079 +21141,6 @@
     <p:extLst>
       <p:ext uri="{BB962C8B-B14F-4D97-AF65-F5344CB8AC3E}">
         <p14:creationId xmlns:p14="http://schemas.microsoft.com/office/powerpoint/2010/main" val="3542797458"/>
-      </p:ext>
-    </p:extLst>
-  </p:cSld>
-  <p:clrMapOvr>
-    <a:masterClrMapping/>
-  </p:clrMapOvr>
-</p:sld>
-</file>
-
-<file path=ppt/slides/slide9.xml><?xml version="1.0" encoding="utf-8"?>
-<p:sld xmlns:a="http://schemas.openxmlformats.org/drawingml/2006/main" xmlns:r="http://schemas.openxmlformats.org/officeDocument/2006/relationships" xmlns:p="http://schemas.openxmlformats.org/presentationml/2006/main">
-  <p:cSld>
-    <p:bg>
-      <p:bgPr>
-        <a:blipFill rotWithShape="1">
-          <a:blip r:embed="rId2">
-            <a:duotone>
-              <a:schemeClr val="bg2">
-                <a:shade val="62000"/>
-                <a:hueMod val="108000"/>
-                <a:satMod val="164000"/>
-                <a:lumMod val="69000"/>
-              </a:schemeClr>
-              <a:schemeClr val="bg2">
-                <a:tint val="96000"/>
-                <a:hueMod val="90000"/>
-                <a:satMod val="130000"/>
-                <a:lumMod val="134000"/>
-              </a:schemeClr>
-            </a:duotone>
-          </a:blip>
-          <a:stretch/>
-        </a:blipFill>
-        <a:effectLst/>
-      </p:bgPr>
-    </p:bg>
-    <p:spTree>
-      <p:nvGrpSpPr>
-        <p:cNvPr id="1" name=""/>
-        <p:cNvGrpSpPr/>
-        <p:nvPr/>
-      </p:nvGrpSpPr>
-      <p:grpSpPr>
-        <a:xfrm>
-          <a:off x="0" y="0"/>
-          <a:ext cx="0" cy="0"/>
-          <a:chOff x="0" y="0"/>
-          <a:chExt cx="0" cy="0"/>
-        </a:xfrm>
-      </p:grpSpPr>
-      <p:pic>
-        <p:nvPicPr>
-          <p:cNvPr id="10" name="Picture 9">
-            <a:extLst>
-              <a:ext uri="{FF2B5EF4-FFF2-40B4-BE49-F238E27FC236}">
-                <a16:creationId xmlns:a16="http://schemas.microsoft.com/office/drawing/2014/main" id="{7594FC8B-8CD2-407F-94F1-9C71F5AEC2B6}"/>
-              </a:ext>
-              <a:ext uri="{C183D7F6-B498-43B3-948B-1728B52AA6E4}">
-                <adec:decorative xmlns:adec="http://schemas.microsoft.com/office/drawing/2017/decorative" val="1"/>
-              </a:ext>
-            </a:extLst>
-          </p:cNvPr>
-          <p:cNvPicPr>
-            <a:picLocks noGrp="1" noRot="1" noChangeAspect="1" noMove="1" noResize="1" noEditPoints="1" noAdjustHandles="1" noChangeArrowheads="1" noChangeShapeType="1" noCrop="1"/>
-          </p:cNvPicPr>
-          <p:nvPr>
-            <p:extLst>
-              <p:ext uri="{386F3935-93C4-4BCD-93E2-E3B085C9AB24}">
-                <p16:designElem xmlns:p16="http://schemas.microsoft.com/office/powerpoint/2015/main" val="1"/>
-              </p:ext>
-            </p:extLst>
-          </p:nvPr>
-        </p:nvPicPr>
-        <p:blipFill rotWithShape="1">
-          <a:blip r:embed="rId3">
-            <a:extLst>
-              <a:ext uri="{28A0092B-C50C-407E-A947-70E740481C1C}">
-                <a14:useLocalDpi xmlns:a14="http://schemas.microsoft.com/office/drawing/2010/main" val="0"/>
-              </a:ext>
-            </a:extLst>
-          </a:blip>
-          <a:srcRect l="3613"/>
-          <a:stretch/>
-        </p:blipFill>
-        <p:spPr>
-          <a:xfrm>
-            <a:off x="0" y="2669685"/>
-            <a:ext cx="4037012" cy="4188315"/>
-          </a:xfrm>
-          <a:prstGeom prst="rect">
-            <a:avLst/>
-          </a:prstGeom>
-        </p:spPr>
-      </p:pic>
-      <p:pic>
-        <p:nvPicPr>
-          <p:cNvPr id="12" name="Picture 11">
-            <a:extLst>
-              <a:ext uri="{FF2B5EF4-FFF2-40B4-BE49-F238E27FC236}">
-                <a16:creationId xmlns:a16="http://schemas.microsoft.com/office/drawing/2014/main" id="{DBABC971-8D40-4A4F-AC60-28B9172789B9}"/>
-              </a:ext>
-              <a:ext uri="{C183D7F6-B498-43B3-948B-1728B52AA6E4}">
-                <adec:decorative xmlns:adec="http://schemas.microsoft.com/office/drawing/2017/decorative" val="1"/>
-              </a:ext>
-            </a:extLst>
-          </p:cNvPr>
-          <p:cNvPicPr>
-            <a:picLocks noGrp="1" noRot="1" noChangeAspect="1" noMove="1" noResize="1" noEditPoints="1" noAdjustHandles="1" noChangeArrowheads="1" noChangeShapeType="1" noCrop="1"/>
-          </p:cNvPicPr>
-          <p:nvPr>
-            <p:extLst>
-              <p:ext uri="{386F3935-93C4-4BCD-93E2-E3B085C9AB24}">
-                <p16:designElem xmlns:p16="http://schemas.microsoft.com/office/powerpoint/2015/main" val="1"/>
-              </p:ext>
-            </p:extLst>
-          </p:nvPr>
-        </p:nvPicPr>
-        <p:blipFill rotWithShape="1">
-          <a:blip r:embed="rId4">
-            <a:extLst>
-              <a:ext uri="{28A0092B-C50C-407E-A947-70E740481C1C}">
-                <a14:useLocalDpi xmlns:a14="http://schemas.microsoft.com/office/drawing/2010/main" val="0"/>
-              </a:ext>
-            </a:extLst>
-          </a:blip>
-          <a:srcRect l="35640"/>
-          <a:stretch/>
-        </p:blipFill>
-        <p:spPr>
-          <a:xfrm>
-            <a:off x="0" y="2892347"/>
-            <a:ext cx="1522412" cy="2365453"/>
-          </a:xfrm>
-          <a:prstGeom prst="rect">
-            <a:avLst/>
-          </a:prstGeom>
-        </p:spPr>
-      </p:pic>
-      <p:sp>
-        <p:nvSpPr>
-          <p:cNvPr id="14" name="Oval 13">
-            <a:extLst>
-              <a:ext uri="{FF2B5EF4-FFF2-40B4-BE49-F238E27FC236}">
-                <a16:creationId xmlns:a16="http://schemas.microsoft.com/office/drawing/2014/main" id="{B9C04DC5-313B-4FE4-B868-5672A376419F}"/>
-              </a:ext>
-              <a:ext uri="{C183D7F6-B498-43B3-948B-1728B52AA6E4}">
-                <adec:decorative xmlns:adec="http://schemas.microsoft.com/office/drawing/2017/decorative" val="1"/>
-              </a:ext>
-            </a:extLst>
-          </p:cNvPr>
-          <p:cNvSpPr>
-            <a:spLocks noGrp="1" noRot="1" noChangeAspect="1" noMove="1" noResize="1" noEditPoints="1" noAdjustHandles="1" noChangeArrowheads="1" noChangeShapeType="1" noTextEdit="1"/>
-          </p:cNvSpPr>
-          <p:nvPr>
-            <p:extLst>
-              <p:ext uri="{386F3935-93C4-4BCD-93E2-E3B085C9AB24}">
-                <p16:designElem xmlns:p16="http://schemas.microsoft.com/office/powerpoint/2015/main" val="1"/>
-              </p:ext>
-            </p:extLst>
-          </p:nvPr>
-        </p:nvSpPr>
-        <p:spPr>
-          <a:xfrm>
-            <a:off x="8609012" y="1676400"/>
-            <a:ext cx="2819400" cy="2819400"/>
-          </a:xfrm>
-          <a:prstGeom prst="ellipse">
-            <a:avLst/>
-          </a:prstGeom>
-          <a:gradFill flip="none" rotWithShape="1">
-            <a:gsLst>
-              <a:gs pos="0">
-                <a:schemeClr val="bg2">
-                  <a:lumMod val="40000"/>
-                  <a:lumOff val="60000"/>
-                  <a:alpha val="7000"/>
-                </a:schemeClr>
-              </a:gs>
-              <a:gs pos="69000">
-                <a:schemeClr val="bg2">
-                  <a:lumMod val="40000"/>
-                  <a:lumOff val="60000"/>
-                  <a:alpha val="0"/>
-                </a:schemeClr>
-              </a:gs>
-              <a:gs pos="36000">
-                <a:schemeClr val="bg2">
-                  <a:lumMod val="40000"/>
-                  <a:lumOff val="60000"/>
-                  <a:alpha val="6000"/>
-                </a:schemeClr>
-              </a:gs>
-            </a:gsLst>
-            <a:path path="circle">
-              <a:fillToRect l="50000" t="50000" r="50000" b="50000"/>
-            </a:path>
-            <a:tileRect/>
-          </a:gradFill>
-          <a:ln>
-            <a:noFill/>
-          </a:ln>
-          <a:effectLst/>
-        </p:spPr>
-        <p:style>
-          <a:lnRef idx="1">
-            <a:schemeClr val="accent1"/>
-          </a:lnRef>
-          <a:fillRef idx="3">
-            <a:schemeClr val="accent1"/>
-          </a:fillRef>
-          <a:effectRef idx="2">
-            <a:schemeClr val="accent1"/>
-          </a:effectRef>
-          <a:fontRef idx="minor">
-            <a:schemeClr val="lt1"/>
-          </a:fontRef>
-        </p:style>
-        <p:txBody>
-          <a:bodyPr/>
-          <a:lstStyle/>
-          <a:p>
-            <a:endParaRPr lang="en-US"/>
-          </a:p>
-        </p:txBody>
-      </p:sp>
-      <p:pic>
-        <p:nvPicPr>
-          <p:cNvPr id="16" name="Picture 15">
-            <a:extLst>
-              <a:ext uri="{FF2B5EF4-FFF2-40B4-BE49-F238E27FC236}">
-                <a16:creationId xmlns:a16="http://schemas.microsoft.com/office/drawing/2014/main" id="{791AE23E-90C9-4963-96E2-8DADBFC3BC09}"/>
-              </a:ext>
-              <a:ext uri="{C183D7F6-B498-43B3-948B-1728B52AA6E4}">
-                <adec:decorative xmlns:adec="http://schemas.microsoft.com/office/drawing/2017/decorative" val="1"/>
-              </a:ext>
-            </a:extLst>
-          </p:cNvPr>
-          <p:cNvPicPr>
-            <a:picLocks noGrp="1" noRot="1" noChangeAspect="1" noMove="1" noResize="1" noEditPoints="1" noAdjustHandles="1" noChangeArrowheads="1" noChangeShapeType="1" noCrop="1"/>
-          </p:cNvPicPr>
-          <p:nvPr>
-            <p:extLst>
-              <p:ext uri="{386F3935-93C4-4BCD-93E2-E3B085C9AB24}">
-                <p16:designElem xmlns:p16="http://schemas.microsoft.com/office/powerpoint/2015/main" val="1"/>
-              </p:ext>
-            </p:extLst>
-          </p:nvPr>
-        </p:nvPicPr>
-        <p:blipFill rotWithShape="1">
-          <a:blip r:embed="rId5">
-            <a:extLst>
-              <a:ext uri="{28A0092B-C50C-407E-A947-70E740481C1C}">
-                <a14:useLocalDpi xmlns:a14="http://schemas.microsoft.com/office/drawing/2010/main" val="0"/>
-              </a:ext>
-            </a:extLst>
-          </a:blip>
-          <a:srcRect t="28813"/>
-          <a:stretch/>
-        </p:blipFill>
-        <p:spPr>
-          <a:xfrm>
-            <a:off x="7999412" y="0"/>
-            <a:ext cx="1603387" cy="1141407"/>
-          </a:xfrm>
-          <a:prstGeom prst="rect">
-            <a:avLst/>
-          </a:prstGeom>
-        </p:spPr>
-      </p:pic>
-      <p:pic>
-        <p:nvPicPr>
-          <p:cNvPr id="18" name="Picture 17">
-            <a:extLst>
-              <a:ext uri="{FF2B5EF4-FFF2-40B4-BE49-F238E27FC236}">
-                <a16:creationId xmlns:a16="http://schemas.microsoft.com/office/drawing/2014/main" id="{C5F93E90-4379-4AAC-B021-E5FA6D974AED}"/>
-              </a:ext>
-              <a:ext uri="{C183D7F6-B498-43B3-948B-1728B52AA6E4}">
-                <adec:decorative xmlns:adec="http://schemas.microsoft.com/office/drawing/2017/decorative" val="1"/>
-              </a:ext>
-            </a:extLst>
-          </p:cNvPr>
-          <p:cNvPicPr>
-            <a:picLocks noGrp="1" noRot="1" noChangeAspect="1" noMove="1" noResize="1" noEditPoints="1" noAdjustHandles="1" noChangeArrowheads="1" noChangeShapeType="1" noCrop="1"/>
-          </p:cNvPicPr>
-          <p:nvPr>
-            <p:extLst>
-              <p:ext uri="{386F3935-93C4-4BCD-93E2-E3B085C9AB24}">
-                <p16:designElem xmlns:p16="http://schemas.microsoft.com/office/powerpoint/2015/main" val="1"/>
-              </p:ext>
-            </p:extLst>
-          </p:nvPr>
-        </p:nvPicPr>
-        <p:blipFill rotWithShape="1">
-          <a:blip r:embed="rId6">
-            <a:extLst>
-              <a:ext uri="{28A0092B-C50C-407E-A947-70E740481C1C}">
-                <a14:useLocalDpi xmlns:a14="http://schemas.microsoft.com/office/drawing/2010/main" val="0"/>
-              </a:ext>
-            </a:extLst>
-          </a:blip>
-          <a:srcRect b="23320"/>
-          <a:stretch/>
-        </p:blipFill>
-        <p:spPr>
-          <a:xfrm>
-            <a:off x="8609012" y="6096000"/>
-            <a:ext cx="993734" cy="762000"/>
-          </a:xfrm>
-          <a:prstGeom prst="rect">
-            <a:avLst/>
-          </a:prstGeom>
-        </p:spPr>
-      </p:pic>
-      <p:sp>
-        <p:nvSpPr>
-          <p:cNvPr id="20" name="Rectangle 19">
-            <a:extLst>
-              <a:ext uri="{FF2B5EF4-FFF2-40B4-BE49-F238E27FC236}">
-                <a16:creationId xmlns:a16="http://schemas.microsoft.com/office/drawing/2014/main" id="{329FDD08-42D8-4AFF-90E5-5DAA5BC4CBD8}"/>
-              </a:ext>
-              <a:ext uri="{C183D7F6-B498-43B3-948B-1728B52AA6E4}">
-                <adec:decorative xmlns:adec="http://schemas.microsoft.com/office/drawing/2017/decorative" val="1"/>
-              </a:ext>
-            </a:extLst>
-          </p:cNvPr>
-          <p:cNvSpPr>
-            <a:spLocks noGrp="1" noRot="1" noChangeAspect="1" noMove="1" noResize="1" noEditPoints="1" noAdjustHandles="1" noChangeArrowheads="1" noChangeShapeType="1" noTextEdit="1"/>
-          </p:cNvSpPr>
-          <p:nvPr>
-            <p:extLst>
-              <p:ext uri="{386F3935-93C4-4BCD-93E2-E3B085C9AB24}">
-                <p16:designElem xmlns:p16="http://schemas.microsoft.com/office/powerpoint/2015/main" val="1"/>
-              </p:ext>
-            </p:extLst>
-          </p:nvPr>
-        </p:nvSpPr>
-        <p:spPr>
-          <a:xfrm>
-            <a:off x="10437812" y="0"/>
-            <a:ext cx="685800" cy="1143000"/>
-          </a:xfrm>
-          <a:prstGeom prst="rect">
-            <a:avLst/>
-          </a:prstGeom>
-          <a:solidFill>
-            <a:schemeClr val="accent1"/>
-          </a:solidFill>
-          <a:ln>
-            <a:noFill/>
-          </a:ln>
-        </p:spPr>
-        <p:style>
-          <a:lnRef idx="1">
-            <a:schemeClr val="accent1"/>
-          </a:lnRef>
-          <a:fillRef idx="3">
-            <a:schemeClr val="accent1"/>
-          </a:fillRef>
-          <a:effectRef idx="2">
-            <a:schemeClr val="accent1"/>
-          </a:effectRef>
-          <a:fontRef idx="minor">
-            <a:schemeClr val="lt1"/>
-          </a:fontRef>
-        </p:style>
-        <p:txBody>
-          <a:bodyPr/>
-          <a:lstStyle/>
-          <a:p>
-            <a:endParaRPr lang="en-US"/>
-          </a:p>
-        </p:txBody>
-      </p:sp>
-      <p:sp>
-        <p:nvSpPr>
-          <p:cNvPr id="2" name="Title 1">
-            <a:extLst>
-              <a:ext uri="{FF2B5EF4-FFF2-40B4-BE49-F238E27FC236}">
-                <a16:creationId xmlns:a16="http://schemas.microsoft.com/office/drawing/2014/main" id="{BF85ACE5-9B32-5019-61D1-869FE5875490}"/>
-              </a:ext>
-            </a:extLst>
-          </p:cNvPr>
-          <p:cNvSpPr>
-            <a:spLocks noGrp="1"/>
-          </p:cNvSpPr>
-          <p:nvPr>
-            <p:ph type="title"/>
-          </p:nvPr>
-        </p:nvSpPr>
-        <p:spPr>
-          <a:xfrm>
-            <a:off x="8191925" y="1325880"/>
-            <a:ext cx="3352375" cy="3066507"/>
-          </a:xfrm>
-        </p:spPr>
-        <p:txBody>
-          <a:bodyPr vert="horz" lIns="91440" tIns="45720" rIns="91440" bIns="45720" rtlCol="0" anchor="b">
-            <a:normAutofit/>
-          </a:bodyPr>
-          <a:lstStyle/>
-          <a:p>
-            <a:pPr>
-              <a:lnSpc>
-                <a:spcPct val="90000"/>
-              </a:lnSpc>
-            </a:pPr>
-            <a:r>
-              <a:rPr lang="en-US" sz="3800"/>
-              <a:t>XGBoosting Classification Report</a:t>
-            </a:r>
-          </a:p>
-        </p:txBody>
-      </p:sp>
-      <p:sp>
-        <p:nvSpPr>
-          <p:cNvPr id="22" name="Rectangle 21">
-            <a:extLst>
-              <a:ext uri="{FF2B5EF4-FFF2-40B4-BE49-F238E27FC236}">
-                <a16:creationId xmlns:a16="http://schemas.microsoft.com/office/drawing/2014/main" id="{4C1E981B-F06E-48B4-9275-F4B261AFCAC0}"/>
-              </a:ext>
-              <a:ext uri="{C183D7F6-B498-43B3-948B-1728B52AA6E4}">
-                <adec:decorative xmlns:adec="http://schemas.microsoft.com/office/drawing/2017/decorative" val="1"/>
-              </a:ext>
-            </a:extLst>
-          </p:cNvPr>
-          <p:cNvSpPr>
-            <a:spLocks noGrp="1" noRot="1" noChangeAspect="1" noMove="1" noResize="1" noEditPoints="1" noAdjustHandles="1" noChangeArrowheads="1" noChangeShapeType="1" noTextEdit="1"/>
-          </p:cNvSpPr>
-          <p:nvPr>
-            <p:extLst>
-              <p:ext uri="{386F3935-93C4-4BCD-93E2-E3B085C9AB24}">
-                <p16:designElem xmlns:p16="http://schemas.microsoft.com/office/powerpoint/2015/main" val="1"/>
-              </p:ext>
-            </p:extLst>
-          </p:nvPr>
-        </p:nvSpPr>
-        <p:spPr>
-          <a:xfrm>
-            <a:off x="0" y="0"/>
-            <a:ext cx="7157124" cy="6858000"/>
-          </a:xfrm>
-          <a:prstGeom prst="rect">
-            <a:avLst/>
-          </a:prstGeom>
-          <a:solidFill>
-            <a:srgbClr val="FFFFFF"/>
-          </a:solidFill>
-          <a:ln>
-            <a:noFill/>
-          </a:ln>
-        </p:spPr>
-        <p:style>
-          <a:lnRef idx="2">
-            <a:schemeClr val="accent1">
-              <a:shade val="50000"/>
-            </a:schemeClr>
-          </a:lnRef>
-          <a:fillRef idx="1">
-            <a:schemeClr val="accent1"/>
-          </a:fillRef>
-          <a:effectRef idx="0">
-            <a:schemeClr val="accent1"/>
-          </a:effectRef>
-          <a:fontRef idx="minor">
-            <a:schemeClr val="lt1"/>
-          </a:fontRef>
-        </p:style>
-        <p:txBody>
-          <a:bodyPr rtlCol="0" anchor="ctr"/>
-          <a:lstStyle/>
-          <a:p>
-            <a:pPr algn="ctr"/>
-            <a:endParaRPr lang="en-US"/>
-          </a:p>
-        </p:txBody>
-      </p:sp>
-      <p:sp>
-        <p:nvSpPr>
-          <p:cNvPr id="24" name="Freeform 36">
-            <a:extLst>
-              <a:ext uri="{FF2B5EF4-FFF2-40B4-BE49-F238E27FC236}">
-                <a16:creationId xmlns:a16="http://schemas.microsoft.com/office/drawing/2014/main" id="{312E2C24-0CD2-4071-8CE2-B059993A99EF}"/>
-              </a:ext>
-              <a:ext uri="{C183D7F6-B498-43B3-948B-1728B52AA6E4}">
-                <adec:decorative xmlns:adec="http://schemas.microsoft.com/office/drawing/2017/decorative" val="1"/>
-              </a:ext>
-            </a:extLst>
-          </p:cNvPr>
-          <p:cNvSpPr>
-            <a:spLocks noGrp="1" noRot="1" noChangeAspect="1" noMove="1" noResize="1" noEditPoints="1" noAdjustHandles="1" noChangeArrowheads="1" noChangeShapeType="1" noTextEdit="1"/>
-          </p:cNvSpPr>
-          <p:nvPr>
-            <p:extLst>
-              <p:ext uri="{386F3935-93C4-4BCD-93E2-E3B085C9AB24}">
-                <p16:designElem xmlns:p16="http://schemas.microsoft.com/office/powerpoint/2015/main" val="1"/>
-              </p:ext>
-            </p:extLst>
-          </p:nvPr>
-        </p:nvSpPr>
-        <p:spPr>
-          <a:xfrm flipH="1">
-            <a:off x="7463681" y="-1"/>
-            <a:ext cx="559472" cy="3709642"/>
-          </a:xfrm>
-          <a:custGeom>
-            <a:avLst/>
-            <a:gdLst>
-              <a:gd name="connsiteX0" fmla="*/ 0 w 559472"/>
-              <a:gd name="connsiteY0" fmla="*/ 0 h 3709642"/>
-              <a:gd name="connsiteX1" fmla="*/ 473952 w 559472"/>
-              <a:gd name="connsiteY1" fmla="*/ 0 h 3709642"/>
-              <a:gd name="connsiteX2" fmla="*/ 485840 w 559472"/>
-              <a:gd name="connsiteY2" fmla="*/ 161194 h 3709642"/>
-              <a:gd name="connsiteX3" fmla="*/ 523949 w 559472"/>
-              <a:gd name="connsiteY3" fmla="*/ 3672197 h 3709642"/>
-              <a:gd name="connsiteX4" fmla="*/ 454748 w 559472"/>
-              <a:gd name="connsiteY4" fmla="*/ 3709642 h 3709642"/>
-              <a:gd name="connsiteX5" fmla="*/ 448224 w 559472"/>
-              <a:gd name="connsiteY5" fmla="*/ 3510471 h 3709642"/>
-              <a:gd name="connsiteX6" fmla="*/ 443564 w 559472"/>
-              <a:gd name="connsiteY6" fmla="*/ 3408563 h 3709642"/>
-              <a:gd name="connsiteX7" fmla="*/ 438902 w 559472"/>
-              <a:gd name="connsiteY7" fmla="*/ 3304407 h 3709642"/>
-              <a:gd name="connsiteX8" fmla="*/ 433941 w 559472"/>
-              <a:gd name="connsiteY8" fmla="*/ 3198777 h 3709642"/>
-              <a:gd name="connsiteX9" fmla="*/ 427584 w 559472"/>
-              <a:gd name="connsiteY9" fmla="*/ 3092510 h 3709642"/>
-              <a:gd name="connsiteX10" fmla="*/ 420988 w 559472"/>
-              <a:gd name="connsiteY10" fmla="*/ 2984390 h 3709642"/>
-              <a:gd name="connsiteX11" fmla="*/ 414330 w 559472"/>
-              <a:gd name="connsiteY11" fmla="*/ 2874401 h 3709642"/>
-              <a:gd name="connsiteX12" fmla="*/ 406840 w 559472"/>
-              <a:gd name="connsiteY12" fmla="*/ 2762980 h 3709642"/>
-              <a:gd name="connsiteX13" fmla="*/ 397745 w 559472"/>
-              <a:gd name="connsiteY13" fmla="*/ 2650566 h 3709642"/>
-              <a:gd name="connsiteX14" fmla="*/ 389154 w 559472"/>
-              <a:gd name="connsiteY14" fmla="*/ 2536612 h 3709642"/>
-              <a:gd name="connsiteX15" fmla="*/ 379225 w 559472"/>
-              <a:gd name="connsiteY15" fmla="*/ 2421642 h 3709642"/>
-              <a:gd name="connsiteX16" fmla="*/ 368316 w 559472"/>
-              <a:gd name="connsiteY16" fmla="*/ 2305627 h 3709642"/>
-              <a:gd name="connsiteX17" fmla="*/ 357466 w 559472"/>
-              <a:gd name="connsiteY17" fmla="*/ 2189233 h 3709642"/>
-              <a:gd name="connsiteX18" fmla="*/ 344982 w 559472"/>
-              <a:gd name="connsiteY18" fmla="*/ 2071473 h 3709642"/>
-              <a:gd name="connsiteX19" fmla="*/ 332466 w 559472"/>
-              <a:gd name="connsiteY19" fmla="*/ 1952216 h 3709642"/>
-              <a:gd name="connsiteX20" fmla="*/ 319121 w 559472"/>
-              <a:gd name="connsiteY20" fmla="*/ 1833776 h 3709642"/>
-              <a:gd name="connsiteX21" fmla="*/ 304408 w 559472"/>
-              <a:gd name="connsiteY21" fmla="*/ 1713948 h 3709642"/>
-              <a:gd name="connsiteX22" fmla="*/ 288685 w 559472"/>
-              <a:gd name="connsiteY22" fmla="*/ 1592703 h 3709642"/>
-              <a:gd name="connsiteX23" fmla="*/ 273050 w 559472"/>
-              <a:gd name="connsiteY23" fmla="*/ 1471451 h 3709642"/>
-              <a:gd name="connsiteX24" fmla="*/ 255813 w 559472"/>
-              <a:gd name="connsiteY24" fmla="*/ 1350328 h 3709642"/>
-              <a:gd name="connsiteX25" fmla="*/ 237060 w 559472"/>
-              <a:gd name="connsiteY25" fmla="*/ 1227080 h 3709642"/>
-              <a:gd name="connsiteX26" fmla="*/ 218488 w 559472"/>
-              <a:gd name="connsiteY26" fmla="*/ 1106065 h 3709642"/>
-              <a:gd name="connsiteX27" fmla="*/ 198221 w 559472"/>
-              <a:gd name="connsiteY27" fmla="*/ 982940 h 3709642"/>
-              <a:gd name="connsiteX28" fmla="*/ 177152 w 559472"/>
-              <a:gd name="connsiteY28" fmla="*/ 858755 h 3709642"/>
-              <a:gd name="connsiteX29" fmla="*/ 155551 w 559472"/>
-              <a:gd name="connsiteY29" fmla="*/ 736861 h 3709642"/>
-              <a:gd name="connsiteX30" fmla="*/ 131782 w 559472"/>
-              <a:gd name="connsiteY30" fmla="*/ 613645 h 3709642"/>
-              <a:gd name="connsiteX31" fmla="*/ 107123 w 559472"/>
-              <a:gd name="connsiteY31" fmla="*/ 490500 h 3709642"/>
-              <a:gd name="connsiteX32" fmla="*/ 82552 w 559472"/>
-              <a:gd name="connsiteY32" fmla="*/ 367348 h 3709642"/>
-              <a:gd name="connsiteX33" fmla="*/ 55608 w 559472"/>
-              <a:gd name="connsiteY33" fmla="*/ 244762 h 3709642"/>
-              <a:gd name="connsiteX34" fmla="*/ 28130 w 559472"/>
-              <a:gd name="connsiteY34" fmla="*/ 122220 h 3709642"/>
-              <a:gd name="connsiteX35" fmla="*/ 0 w 559472"/>
-              <a:gd name="connsiteY35" fmla="*/ 0 h 3709642"/>
-            </a:gdLst>
-            <a:ahLst/>
-            <a:cxnLst>
-              <a:cxn ang="0">
-                <a:pos x="connsiteX0" y="connsiteY0"/>
-              </a:cxn>
-              <a:cxn ang="0">
-                <a:pos x="connsiteX1" y="connsiteY1"/>
-              </a:cxn>
-              <a:cxn ang="0">
-                <a:pos x="connsiteX2" y="connsiteY2"/>
-              </a:cxn>
-              <a:cxn ang="0">
-                <a:pos x="connsiteX3" y="connsiteY3"/>
-              </a:cxn>
-              <a:cxn ang="0">
-                <a:pos x="connsiteX4" y="connsiteY4"/>
-              </a:cxn>
-              <a:cxn ang="0">
-                <a:pos x="connsiteX5" y="connsiteY5"/>
-              </a:cxn>
-              <a:cxn ang="0">
-                <a:pos x="connsiteX6" y="connsiteY6"/>
-              </a:cxn>
-              <a:cxn ang="0">
-                <a:pos x="connsiteX7" y="connsiteY7"/>
-              </a:cxn>
-              <a:cxn ang="0">
-                <a:pos x="connsiteX8" y="connsiteY8"/>
-              </a:cxn>
-              <a:cxn ang="0">
-                <a:pos x="connsiteX9" y="connsiteY9"/>
-              </a:cxn>
-              <a:cxn ang="0">
-                <a:pos x="connsiteX10" y="connsiteY10"/>
-              </a:cxn>
-              <a:cxn ang="0">
-                <a:pos x="connsiteX11" y="connsiteY11"/>
-              </a:cxn>
-              <a:cxn ang="0">
-                <a:pos x="connsiteX12" y="connsiteY12"/>
-              </a:cxn>
-              <a:cxn ang="0">
-                <a:pos x="connsiteX13" y="connsiteY13"/>
-              </a:cxn>
-              <a:cxn ang="0">
-                <a:pos x="connsiteX14" y="connsiteY14"/>
-              </a:cxn>
-              <a:cxn ang="0">
-                <a:pos x="connsiteX15" y="connsiteY15"/>
-              </a:cxn>
-              <a:cxn ang="0">
-                <a:pos x="connsiteX16" y="connsiteY16"/>
-              </a:cxn>
-              <a:cxn ang="0">
-                <a:pos x="connsiteX17" y="connsiteY17"/>
-              </a:cxn>
-              <a:cxn ang="0">
-                <a:pos x="connsiteX18" y="connsiteY18"/>
-              </a:cxn>
-              <a:cxn ang="0">
-                <a:pos x="connsiteX19" y="connsiteY19"/>
-              </a:cxn>
-              <a:cxn ang="0">
-                <a:pos x="connsiteX20" y="connsiteY20"/>
-              </a:cxn>
-              <a:cxn ang="0">
-                <a:pos x="connsiteX21" y="connsiteY21"/>
-              </a:cxn>
-              <a:cxn ang="0">
-                <a:pos x="connsiteX22" y="connsiteY22"/>
-              </a:cxn>
-              <a:cxn ang="0">
-                <a:pos x="connsiteX23" y="connsiteY23"/>
-              </a:cxn>
-              <a:cxn ang="0">
-                <a:pos x="connsiteX24" y="connsiteY24"/>
-              </a:cxn>
-              <a:cxn ang="0">
-                <a:pos x="connsiteX25" y="connsiteY25"/>
-              </a:cxn>
-              <a:cxn ang="0">
-                <a:pos x="connsiteX26" y="connsiteY26"/>
-              </a:cxn>
-              <a:cxn ang="0">
-                <a:pos x="connsiteX27" y="connsiteY27"/>
-              </a:cxn>
-              <a:cxn ang="0">
-                <a:pos x="connsiteX28" y="connsiteY28"/>
-              </a:cxn>
-              <a:cxn ang="0">
-                <a:pos x="connsiteX29" y="connsiteY29"/>
-              </a:cxn>
-              <a:cxn ang="0">
-                <a:pos x="connsiteX30" y="connsiteY30"/>
-              </a:cxn>
-              <a:cxn ang="0">
-                <a:pos x="connsiteX31" y="connsiteY31"/>
-              </a:cxn>
-              <a:cxn ang="0">
-                <a:pos x="connsiteX32" y="connsiteY32"/>
-              </a:cxn>
-              <a:cxn ang="0">
-                <a:pos x="connsiteX33" y="connsiteY33"/>
-              </a:cxn>
-              <a:cxn ang="0">
-                <a:pos x="connsiteX34" y="connsiteY34"/>
-              </a:cxn>
-              <a:cxn ang="0">
-                <a:pos x="connsiteX35" y="connsiteY35"/>
-              </a:cxn>
-            </a:cxnLst>
-            <a:rect l="l" t="t" r="r" b="b"/>
-            <a:pathLst>
-              <a:path w="559472" h="3709642">
-                <a:moveTo>
-                  <a:pt x="0" y="0"/>
-                </a:moveTo>
-                <a:lnTo>
-                  <a:pt x="473952" y="0"/>
-                </a:lnTo>
-                <a:lnTo>
-                  <a:pt x="485840" y="161194"/>
-                </a:lnTo>
-                <a:cubicBezTo>
-                  <a:pt x="552063" y="1147770"/>
-                  <a:pt x="592441" y="3086737"/>
-                  <a:pt x="523949" y="3672197"/>
-                </a:cubicBezTo>
-                <a:cubicBezTo>
-                  <a:pt x="500842" y="3684557"/>
-                  <a:pt x="477855" y="3697282"/>
-                  <a:pt x="454748" y="3709642"/>
-                </a:cubicBezTo>
-                <a:lnTo>
-                  <a:pt x="448224" y="3510471"/>
-                </a:lnTo>
-                <a:lnTo>
-                  <a:pt x="443564" y="3408563"/>
-                </a:lnTo>
-                <a:lnTo>
-                  <a:pt x="438902" y="3304407"/>
-                </a:lnTo>
-                <a:lnTo>
-                  <a:pt x="433941" y="3198777"/>
-                </a:lnTo>
-                <a:lnTo>
-                  <a:pt x="427584" y="3092510"/>
-                </a:lnTo>
-                <a:lnTo>
-                  <a:pt x="420988" y="2984390"/>
-                </a:lnTo>
-                <a:lnTo>
-                  <a:pt x="414330" y="2874401"/>
-                </a:lnTo>
-                <a:lnTo>
-                  <a:pt x="406840" y="2762980"/>
-                </a:lnTo>
-                <a:lnTo>
-                  <a:pt x="397745" y="2650566"/>
-                </a:lnTo>
-                <a:lnTo>
-                  <a:pt x="389154" y="2536612"/>
-                </a:lnTo>
-                <a:lnTo>
-                  <a:pt x="379225" y="2421642"/>
-                </a:lnTo>
-                <a:lnTo>
-                  <a:pt x="368316" y="2305627"/>
-                </a:lnTo>
-                <a:lnTo>
-                  <a:pt x="357466" y="2189233"/>
-                </a:lnTo>
-                <a:lnTo>
-                  <a:pt x="344982" y="2071473"/>
-                </a:lnTo>
-                <a:lnTo>
-                  <a:pt x="332466" y="1952216"/>
-                </a:lnTo>
-                <a:lnTo>
-                  <a:pt x="319121" y="1833776"/>
-                </a:lnTo>
-                <a:lnTo>
-                  <a:pt x="304408" y="1713948"/>
-                </a:lnTo>
-                <a:lnTo>
-                  <a:pt x="288685" y="1592703"/>
-                </a:lnTo>
-                <a:lnTo>
-                  <a:pt x="273050" y="1471451"/>
-                </a:lnTo>
-                <a:lnTo>
-                  <a:pt x="255813" y="1350328"/>
-                </a:lnTo>
-                <a:lnTo>
-                  <a:pt x="237060" y="1227080"/>
-                </a:lnTo>
-                <a:lnTo>
-                  <a:pt x="218488" y="1106065"/>
-                </a:lnTo>
-                <a:lnTo>
-                  <a:pt x="198221" y="982940"/>
-                </a:lnTo>
-                <a:lnTo>
-                  <a:pt x="177152" y="858755"/>
-                </a:lnTo>
-                <a:lnTo>
-                  <a:pt x="155551" y="736861"/>
-                </a:lnTo>
-                <a:lnTo>
-                  <a:pt x="131782" y="613645"/>
-                </a:lnTo>
-                <a:lnTo>
-                  <a:pt x="107123" y="490500"/>
-                </a:lnTo>
-                <a:lnTo>
-                  <a:pt x="82552" y="367348"/>
-                </a:lnTo>
-                <a:lnTo>
-                  <a:pt x="55608" y="244762"/>
-                </a:lnTo>
-                <a:lnTo>
-                  <a:pt x="28130" y="122220"/>
-                </a:lnTo>
-                <a:lnTo>
-                  <a:pt x="0" y="0"/>
-                </a:lnTo>
-                <a:close/>
-              </a:path>
-            </a:pathLst>
-          </a:custGeom>
-          <a:solidFill>
-            <a:schemeClr val="tx1">
-              <a:alpha val="20000"/>
-            </a:schemeClr>
-          </a:solidFill>
-          <a:ln>
-            <a:noFill/>
-          </a:ln>
-        </p:spPr>
-        <p:txBody>
-          <a:bodyPr rtlCol="0" anchor="ctr"/>
-          <a:lstStyle/>
-          <a:p>
-            <a:pPr algn="ctr"/>
-            <a:endParaRPr lang="en-US"/>
-          </a:p>
-        </p:txBody>
-      </p:sp>
-      <p:sp>
-        <p:nvSpPr>
-          <p:cNvPr id="26" name="Freeform 5">
-            <a:extLst>
-              <a:ext uri="{FF2B5EF4-FFF2-40B4-BE49-F238E27FC236}">
-                <a16:creationId xmlns:a16="http://schemas.microsoft.com/office/drawing/2014/main" id="{24F1DC13-C830-4B86-A9C6-927F5C55DBD7}"/>
-              </a:ext>
-              <a:ext uri="{C183D7F6-B498-43B3-948B-1728B52AA6E4}">
-                <adec:decorative xmlns:adec="http://schemas.microsoft.com/office/drawing/2017/decorative" val="1"/>
-              </a:ext>
-            </a:extLst>
-          </p:cNvPr>
-          <p:cNvSpPr>
-            <a:spLocks noGrp="1" noRot="1" noChangeAspect="1" noMove="1" noResize="1" noEditPoints="1" noAdjustHandles="1" noChangeArrowheads="1" noChangeShapeType="1" noTextEdit="1"/>
-          </p:cNvSpPr>
-          <p:nvPr>
-            <p:extLst>
-              <p:ext uri="{386F3935-93C4-4BCD-93E2-E3B085C9AB24}">
-                <p16:designElem xmlns:p16="http://schemas.microsoft.com/office/powerpoint/2015/main" val="1"/>
-              </p:ext>
-            </p:extLst>
-          </p:nvPr>
-        </p:nvSpPr>
-        <p:spPr bwMode="gray">
-          <a:xfrm rot="5400000" flipH="1">
-            <a:off x="3708596" y="2756642"/>
-            <a:ext cx="6858000" cy="1344715"/>
-          </a:xfrm>
-          <a:custGeom>
-            <a:avLst/>
-            <a:gdLst/>
-            <a:ahLst/>
-            <a:cxnLst/>
-            <a:rect l="l" t="t" r="r" b="b"/>
-            <a:pathLst>
-              <a:path w="10000" h="8000">
-                <a:moveTo>
-                  <a:pt x="0" y="0"/>
-                </a:moveTo>
-                <a:lnTo>
-                  <a:pt x="0" y="7970"/>
-                </a:lnTo>
-                <a:lnTo>
-                  <a:pt x="10000" y="8000"/>
-                </a:lnTo>
-                <a:lnTo>
-                  <a:pt x="10000" y="7"/>
-                </a:lnTo>
-                <a:lnTo>
-                  <a:pt x="10000" y="7"/>
-                </a:lnTo>
-                <a:lnTo>
-                  <a:pt x="9773" y="156"/>
-                </a:lnTo>
-                <a:lnTo>
-                  <a:pt x="9547" y="298"/>
-                </a:lnTo>
-                <a:lnTo>
-                  <a:pt x="9320" y="437"/>
-                </a:lnTo>
-                <a:lnTo>
-                  <a:pt x="9092" y="556"/>
-                </a:lnTo>
-                <a:lnTo>
-                  <a:pt x="8865" y="676"/>
-                </a:lnTo>
-                <a:lnTo>
-                  <a:pt x="8637" y="788"/>
-                </a:lnTo>
-                <a:lnTo>
-                  <a:pt x="8412" y="884"/>
-                </a:lnTo>
-                <a:lnTo>
-                  <a:pt x="8184" y="975"/>
-                </a:lnTo>
-                <a:lnTo>
-                  <a:pt x="7957" y="1058"/>
-                </a:lnTo>
-                <a:lnTo>
-                  <a:pt x="7734" y="1130"/>
-                </a:lnTo>
-                <a:lnTo>
-                  <a:pt x="7508" y="1202"/>
-                </a:lnTo>
-                <a:lnTo>
-                  <a:pt x="7285" y="1262"/>
-                </a:lnTo>
-                <a:lnTo>
-                  <a:pt x="7062" y="1309"/>
-                </a:lnTo>
-                <a:lnTo>
-                  <a:pt x="6840" y="1358"/>
-                </a:lnTo>
-                <a:lnTo>
-                  <a:pt x="6620" y="1399"/>
-                </a:lnTo>
-                <a:lnTo>
-                  <a:pt x="6402" y="1428"/>
-                </a:lnTo>
-                <a:lnTo>
-                  <a:pt x="6184" y="1453"/>
-                </a:lnTo>
-                <a:lnTo>
-                  <a:pt x="5968" y="1477"/>
-                </a:lnTo>
-                <a:lnTo>
-                  <a:pt x="5755" y="1488"/>
-                </a:lnTo>
-                <a:lnTo>
-                  <a:pt x="5542" y="1500"/>
-                </a:lnTo>
-                <a:lnTo>
-                  <a:pt x="5332" y="1506"/>
-                </a:lnTo>
-                <a:lnTo>
-                  <a:pt x="5124" y="1500"/>
-                </a:lnTo>
-                <a:lnTo>
-                  <a:pt x="4918" y="1500"/>
-                </a:lnTo>
-                <a:lnTo>
-                  <a:pt x="4714" y="1488"/>
-                </a:lnTo>
-                <a:lnTo>
-                  <a:pt x="4514" y="1470"/>
-                </a:lnTo>
-                <a:lnTo>
-                  <a:pt x="4316" y="1453"/>
-                </a:lnTo>
-                <a:lnTo>
-                  <a:pt x="4122" y="1434"/>
-                </a:lnTo>
-                <a:lnTo>
-                  <a:pt x="3929" y="1405"/>
-                </a:lnTo>
-                <a:lnTo>
-                  <a:pt x="3739" y="1374"/>
-                </a:lnTo>
-                <a:lnTo>
-                  <a:pt x="3553" y="1346"/>
-                </a:lnTo>
-                <a:lnTo>
-                  <a:pt x="3190" y="1267"/>
-                </a:lnTo>
-                <a:lnTo>
-                  <a:pt x="2842" y="1183"/>
-                </a:lnTo>
-                <a:lnTo>
-                  <a:pt x="2508" y="1095"/>
-                </a:lnTo>
-                <a:lnTo>
-                  <a:pt x="2192" y="998"/>
-                </a:lnTo>
-                <a:lnTo>
-                  <a:pt x="1890" y="897"/>
-                </a:lnTo>
-                <a:lnTo>
-                  <a:pt x="1610" y="788"/>
-                </a:lnTo>
-                <a:lnTo>
-                  <a:pt x="1347" y="681"/>
-                </a:lnTo>
-                <a:lnTo>
-                  <a:pt x="1105" y="574"/>
-                </a:lnTo>
-                <a:lnTo>
-                  <a:pt x="883" y="473"/>
-                </a:lnTo>
-                <a:lnTo>
-                  <a:pt x="686" y="377"/>
-                </a:lnTo>
-                <a:lnTo>
-                  <a:pt x="508" y="286"/>
-                </a:lnTo>
-                <a:lnTo>
-                  <a:pt x="358" y="210"/>
-                </a:lnTo>
-                <a:lnTo>
-                  <a:pt x="232" y="138"/>
-                </a:lnTo>
-                <a:lnTo>
-                  <a:pt x="59" y="35"/>
-                </a:lnTo>
-                <a:lnTo>
-                  <a:pt x="0" y="0"/>
-                </a:lnTo>
-                <a:lnTo>
-                  <a:pt x="0" y="0"/>
-                </a:lnTo>
-                <a:close/>
-              </a:path>
-            </a:pathLst>
-          </a:custGeom>
-          <a:solidFill>
-            <a:srgbClr val="FFFFFF"/>
-          </a:solidFill>
-          <a:ln>
-            <a:noFill/>
-          </a:ln>
-        </p:spPr>
-        <p:txBody>
-          <a:bodyPr/>
-          <a:lstStyle/>
-          <a:p>
-            <a:endParaRPr lang="en-US"/>
-          </a:p>
-        </p:txBody>
-      </p:sp>
-      <p:pic>
-        <p:nvPicPr>
-          <p:cNvPr id="5" name="Content Placeholder 4" descr="A screenshot of a computer&#10;&#10;Description automatically generated">
-            <a:extLst>
-              <a:ext uri="{FF2B5EF4-FFF2-40B4-BE49-F238E27FC236}">
-                <a16:creationId xmlns:a16="http://schemas.microsoft.com/office/drawing/2014/main" id="{D114159A-EE56-71E2-CC5C-4974F7099D75}"/>
-              </a:ext>
-            </a:extLst>
-          </p:cNvPr>
-          <p:cNvPicPr>
-            <a:picLocks noGrp="1" noChangeAspect="1"/>
-          </p:cNvPicPr>
-          <p:nvPr>
-            <p:ph idx="1"/>
-          </p:nvPr>
-        </p:nvPicPr>
-        <p:blipFill>
-          <a:blip r:embed="rId7"/>
-          <a:stretch>
-            <a:fillRect/>
-          </a:stretch>
-        </p:blipFill>
-        <p:spPr>
-          <a:xfrm>
-            <a:off x="643854" y="1693016"/>
-            <a:ext cx="6270662" cy="3471503"/>
-          </a:xfrm>
-          <a:prstGeom prst="rect">
-            <a:avLst/>
-          </a:prstGeom>
-          <a:effectLst/>
-        </p:spPr>
-      </p:pic>
-    </p:spTree>
-    <p:extLst>
-      <p:ext uri="{BB962C8B-B14F-4D97-AF65-F5344CB8AC3E}">
-        <p14:creationId xmlns:p14="http://schemas.microsoft.com/office/powerpoint/2010/main" val="4261868889"/>
       </p:ext>
     </p:extLst>
   </p:cSld>
@@ -21110,6 +22006,26 @@
 </file>
 
 <file path=customXml/item1.xml><?xml version="1.0" encoding="utf-8"?>
+<p:properties xmlns:p="http://schemas.microsoft.com/office/2006/metadata/properties" xmlns:xsi="http://www.w3.org/2001/XMLSchema-instance" xmlns:pc="http://schemas.microsoft.com/office/infopath/2007/PartnerControls">
+  <documentManagement>
+    <_ip_UnifiedCompliancePolicyUIAction xmlns="http://schemas.microsoft.com/sharepoint/v3" xsi:nil="true"/>
+    <Image xmlns="71af3243-3dd4-4a8d-8c0d-dd76da1f02a5">
+      <Url xsi:nil="true"/>
+      <Description xsi:nil="true"/>
+    </Image>
+    <Status xmlns="71af3243-3dd4-4a8d-8c0d-dd76da1f02a5">Not started</Status>
+    <Background xmlns="71af3243-3dd4-4a8d-8c0d-dd76da1f02a5">false</Background>
+    <_ip_UnifiedCompliancePolicyProperties xmlns="http://schemas.microsoft.com/sharepoint/v3" xsi:nil="true"/>
+    <ImageTagsTaxHTField xmlns="71af3243-3dd4-4a8d-8c0d-dd76da1f02a5">
+      <Terms xmlns="http://schemas.microsoft.com/office/infopath/2007/PartnerControls"/>
+    </ImageTagsTaxHTField>
+    <TaxCatchAll xmlns="230e9df3-be65-4c73-a93b-d1236ebd677e" xsi:nil="true"/>
+    <MediaServiceKeyPoints xmlns="71af3243-3dd4-4a8d-8c0d-dd76da1f02a5" xsi:nil="true"/>
+  </documentManagement>
+</p:properties>
+</file>
+
+<file path=customXml/item2.xml><?xml version="1.0" encoding="utf-8"?>
 <ct:contentTypeSchema xmlns:ct="http://schemas.microsoft.com/office/2006/metadata/contentType" xmlns:ma="http://schemas.microsoft.com/office/2006/metadata/properties/metaAttributes" ct:_="" ma:_="" ma:contentTypeName="Document" ma:contentTypeID="0x01010079F111ED35F8CC479449609E8A0923A6" ma:contentTypeVersion="27" ma:contentTypeDescription="Create a new document." ma:contentTypeScope="" ma:versionID="c6f9a84f66a9c8b9a21755b9ffafb945">
   <xsd:schema xmlns:xsd="http://www.w3.org/2001/XMLSchema" xmlns:xs="http://www.w3.org/2001/XMLSchema" xmlns:p="http://schemas.microsoft.com/office/2006/metadata/properties" xmlns:ns1="http://schemas.microsoft.com/sharepoint/v3" xmlns:ns2="71af3243-3dd4-4a8d-8c0d-dd76da1f02a5" xmlns:ns3="16c05727-aa75-4e4a-9b5f-8a80a1165891" xmlns:ns4="230e9df3-be65-4c73-a93b-d1236ebd677e" targetNamespace="http://schemas.microsoft.com/office/2006/metadata/properties" ma:root="true" ma:fieldsID="27df39e3e7036dff54f89ddd5805ce72" ns1:_="" ns2:_="" ns3:_="" ns4:_="">
     <xsd:import namespace="http://schemas.microsoft.com/sharepoint/v3"/>
@@ -21415,26 +22331,6 @@
 </ct:contentTypeSchema>
 </file>
 
-<file path=customXml/item2.xml><?xml version="1.0" encoding="utf-8"?>
-<p:properties xmlns:p="http://schemas.microsoft.com/office/2006/metadata/properties" xmlns:xsi="http://www.w3.org/2001/XMLSchema-instance" xmlns:pc="http://schemas.microsoft.com/office/infopath/2007/PartnerControls">
-  <documentManagement>
-    <_ip_UnifiedCompliancePolicyUIAction xmlns="http://schemas.microsoft.com/sharepoint/v3" xsi:nil="true"/>
-    <Image xmlns="71af3243-3dd4-4a8d-8c0d-dd76da1f02a5">
-      <Url xsi:nil="true"/>
-      <Description xsi:nil="true"/>
-    </Image>
-    <Status xmlns="71af3243-3dd4-4a8d-8c0d-dd76da1f02a5">Not started</Status>
-    <Background xmlns="71af3243-3dd4-4a8d-8c0d-dd76da1f02a5">false</Background>
-    <_ip_UnifiedCompliancePolicyProperties xmlns="http://schemas.microsoft.com/sharepoint/v3" xsi:nil="true"/>
-    <ImageTagsTaxHTField xmlns="71af3243-3dd4-4a8d-8c0d-dd76da1f02a5">
-      <Terms xmlns="http://schemas.microsoft.com/office/infopath/2007/PartnerControls"/>
-    </ImageTagsTaxHTField>
-    <TaxCatchAll xmlns="230e9df3-be65-4c73-a93b-d1236ebd677e" xsi:nil="true"/>
-    <MediaServiceKeyPoints xmlns="71af3243-3dd4-4a8d-8c0d-dd76da1f02a5" xsi:nil="true"/>
-  </documentManagement>
-</p:properties>
-</file>
-
 <file path=customXml/item3.xml><?xml version="1.0" encoding="utf-8"?>
 <?mso-contentType ?>
 <FormTemplates xmlns="http://schemas.microsoft.com/sharepoint/v3/contenttype/forms">
@@ -21445,6 +22341,18 @@
 </file>
 
 <file path=customXml/itemProps1.xml><?xml version="1.0" encoding="utf-8"?>
+<ds:datastoreItem xmlns:ds="http://schemas.openxmlformats.org/officeDocument/2006/customXml" ds:itemID="{D65B6094-AFD6-478B-B198-FEA847601B8E}">
+  <ds:schemaRefs>
+    <ds:schemaRef ds:uri="230e9df3-be65-4c73-a93b-d1236ebd677e"/>
+    <ds:schemaRef ds:uri="71af3243-3dd4-4a8d-8c0d-dd76da1f02a5"/>
+    <ds:schemaRef ds:uri="http://schemas.microsoft.com/office/2006/metadata/properties"/>
+    <ds:schemaRef ds:uri="http://schemas.microsoft.com/office/infopath/2007/PartnerControls"/>
+    <ds:schemaRef ds:uri="http://schemas.microsoft.com/sharepoint/v3"/>
+  </ds:schemaRefs>
+</ds:datastoreItem>
+</file>
+
+<file path=customXml/itemProps2.xml><?xml version="1.0" encoding="utf-8"?>
 <ds:datastoreItem xmlns:ds="http://schemas.openxmlformats.org/officeDocument/2006/customXml" ds:itemID="{7D8A7011-85FC-4C6C-9A6F-345FB39F821D}">
   <ds:schemaRefs>
     <ds:schemaRef ds:uri="16c05727-aa75-4e4a-9b5f-8a80a1165891"/>
@@ -21465,18 +22373,6 @@
 </ds:datastoreItem>
 </file>
 
-<file path=customXml/itemProps2.xml><?xml version="1.0" encoding="utf-8"?>
-<ds:datastoreItem xmlns:ds="http://schemas.openxmlformats.org/officeDocument/2006/customXml" ds:itemID="{D65B6094-AFD6-478B-B198-FEA847601B8E}">
-  <ds:schemaRefs>
-    <ds:schemaRef ds:uri="230e9df3-be65-4c73-a93b-d1236ebd677e"/>
-    <ds:schemaRef ds:uri="71af3243-3dd4-4a8d-8c0d-dd76da1f02a5"/>
-    <ds:schemaRef ds:uri="http://schemas.microsoft.com/office/2006/metadata/properties"/>
-    <ds:schemaRef ds:uri="http://schemas.microsoft.com/office/infopath/2007/PartnerControls"/>
-    <ds:schemaRef ds:uri="http://schemas.microsoft.com/sharepoint/v3"/>
-  </ds:schemaRefs>
-</ds:datastoreItem>
-</file>
-
 <file path=customXml/itemProps3.xml><?xml version="1.0" encoding="utf-8"?>
 <ds:datastoreItem xmlns:ds="http://schemas.openxmlformats.org/officeDocument/2006/customXml" ds:itemID="{F523E105-18D3-4BB0-89C9-FE6AD0298A92}">
   <ds:schemaRefs>
